--- a/BAMBANK_SLIDE.pptx
+++ b/BAMBANK_SLIDE.pptx
@@ -14,6 +14,7 @@
     <p:sldId id="262" r:id="rId8"/>
     <p:sldId id="263" r:id="rId9"/>
     <p:sldId id="264" r:id="rId10"/>
+    <p:sldId id="265" r:id="rId11"/>
   </p:sldIdLst>
   <p:sldSz cx="12192000" cy="6858000"/>
   <p:notesSz cx="6858000" cy="9144000"/>
@@ -6222,6 +6223,18 @@
   <p:clrMapOvr>
     <a:masterClrMapping/>
   </p:clrMapOvr>
+  <mc:AlternateContent xmlns:mc="http://schemas.openxmlformats.org/markup-compatibility/2006">
+    <mc:Choice xmlns:p15="http://schemas.microsoft.com/office/powerpoint/2012/main" Requires="p15">
+      <p:transition xmlns:p14="http://schemas.microsoft.com/office/powerpoint/2010/main" spd="slow" p14:dur="6000">
+        <p15:prstTrans prst="curtains"/>
+      </p:transition>
+    </mc:Choice>
+    <mc:Fallback>
+      <p:transition spd="slow">
+        <p:fade/>
+      </p:transition>
+    </mc:Fallback>
+  </mc:AlternateContent>
   <p:timing>
     <p:tnLst>
       <p:par>
@@ -6243,10 +6256,13 @@
                             </p:stCondLst>
                             <p:childTnLst>
                               <p:par>
-                                <p:cTn id="5" presetID="1" presetClass="entr" presetSubtype="0" fill="hold" grpId="0" nodeType="clickEffect">
+                                <p:cTn id="5" presetID="56" presetClass="entr" presetSubtype="0" fill="hold" grpId="0" nodeType="clickEffect">
                                   <p:stCondLst>
                                     <p:cond delay="0"/>
                                   </p:stCondLst>
+                                  <p:iterate type="lt">
+                                    <p:tmPct val="10000"/>
+                                  </p:iterate>
                                   <p:childTnLst>
                                     <p:set>
                                       <p:cBhvr>
@@ -6266,55 +6282,66 @@
                                         <p:strVal val="visible"/>
                                       </p:to>
                                     </p:set>
-                                  </p:childTnLst>
-                                </p:cTn>
-                              </p:par>
-                            </p:childTnLst>
-                          </p:cTn>
-                        </p:par>
-                      </p:childTnLst>
-                    </p:cTn>
-                  </p:par>
-                  <p:par>
-                    <p:cTn id="7" fill="hold">
-                      <p:stCondLst>
-                        <p:cond delay="indefinite"/>
-                      </p:stCondLst>
-                      <p:childTnLst>
-                        <p:par>
-                          <p:cTn id="8" fill="hold">
-                            <p:stCondLst>
-                              <p:cond delay="0"/>
-                            </p:stCondLst>
-                            <p:childTnLst>
-                              <p:par>
-                                <p:cTn id="9" presetID="1" presetClass="entr" presetSubtype="0" fill="hold" grpId="0" nodeType="clickEffect">
-                                  <p:stCondLst>
-                                    <p:cond delay="0"/>
-                                  </p:stCondLst>
-                                  <p:childTnLst>
-                                    <p:set>
-                                      <p:cBhvr>
-                                        <p:cTn id="10" dur="1" fill="hold">
+                                    <p:anim by="(-#ppt_w*2)" calcmode="lin" valueType="num">
+                                      <p:cBhvr rctx="PPT">
+                                        <p:cTn id="7" dur="500" autoRev="1" fill="hold">
                                           <p:stCondLst>
                                             <p:cond delay="0"/>
                                           </p:stCondLst>
                                         </p:cTn>
                                         <p:tgtEl>
-                                          <p:spTgt spid="3">
-                                            <p:txEl>
-                                              <p:pRg st="0" end="0"/>
-                                            </p:txEl>
-                                          </p:spTgt>
+                                          <p:spTgt spid="2"/>
                                         </p:tgtEl>
                                         <p:attrNameLst>
-                                          <p:attrName>style.visibility</p:attrName>
+                                          <p:attrName>ppt_w</p:attrName>
                                         </p:attrNameLst>
                                       </p:cBhvr>
-                                      <p:to>
-                                        <p:strVal val="visible"/>
-                                      </p:to>
-                                    </p:set>
+                                    </p:anim>
+                                    <p:anim by="(#ppt_w*0.50)" calcmode="lin" valueType="num">
+                                      <p:cBhvr>
+                                        <p:cTn id="8" dur="500" decel="50000" autoRev="1" fill="hold">
+                                          <p:stCondLst>
+                                            <p:cond delay="0"/>
+                                          </p:stCondLst>
+                                        </p:cTn>
+                                        <p:tgtEl>
+                                          <p:spTgt spid="2"/>
+                                        </p:tgtEl>
+                                        <p:attrNameLst>
+                                          <p:attrName>ppt_x</p:attrName>
+                                        </p:attrNameLst>
+                                      </p:cBhvr>
+                                    </p:anim>
+                                    <p:anim from="(-#ppt_h/2)" to="(#ppt_y)" calcmode="lin" valueType="num">
+                                      <p:cBhvr>
+                                        <p:cTn id="9" dur="1000" fill="hold">
+                                          <p:stCondLst>
+                                            <p:cond delay="0"/>
+                                          </p:stCondLst>
+                                        </p:cTn>
+                                        <p:tgtEl>
+                                          <p:spTgt spid="2"/>
+                                        </p:tgtEl>
+                                        <p:attrNameLst>
+                                          <p:attrName>ppt_y</p:attrName>
+                                        </p:attrNameLst>
+                                      </p:cBhvr>
+                                    </p:anim>
+                                    <p:animRot by="21600000">
+                                      <p:cBhvr>
+                                        <p:cTn id="10" dur="1000" fill="hold">
+                                          <p:stCondLst>
+                                            <p:cond delay="0"/>
+                                          </p:stCondLst>
+                                        </p:cTn>
+                                        <p:tgtEl>
+                                          <p:spTgt spid="2"/>
+                                        </p:tgtEl>
+                                        <p:attrNameLst>
+                                          <p:attrName>r</p:attrName>
+                                        </p:attrNameLst>
+                                      </p:cBhvr>
+                                    </p:animRot>
                                   </p:childTnLst>
                                 </p:cTn>
                               </p:par>
@@ -6337,10 +6364,13 @@
                             </p:stCondLst>
                             <p:childTnLst>
                               <p:par>
-                                <p:cTn id="13" presetID="1" presetClass="entr" presetSubtype="0" fill="hold" grpId="0" nodeType="clickEffect">
+                                <p:cTn id="13" presetID="41" presetClass="entr" presetSubtype="0" fill="hold" grpId="0" nodeType="clickEffect">
                                   <p:stCondLst>
                                     <p:cond delay="0"/>
                                   </p:stCondLst>
+                                  <p:iterate type="lt">
+                                    <p:tmPct val="10000"/>
+                                  </p:iterate>
                                   <p:childTnLst>
                                     <p:set>
                                       <p:cBhvr>
@@ -6352,7 +6382,7 @@
                                         <p:tgtEl>
                                           <p:spTgt spid="3">
                                             <p:txEl>
-                                              <p:pRg st="1" end="1"/>
+                                              <p:pRg st="0" end="0"/>
                                             </p:txEl>
                                           </p:spTgt>
                                         </p:tgtEl>
@@ -6364,6 +6394,141 @@
                                         <p:strVal val="visible"/>
                                       </p:to>
                                     </p:set>
+                                    <p:anim calcmode="lin" valueType="num">
+                                      <p:cBhvr>
+                                        <p:cTn id="15" dur="500" fill="hold"/>
+                                        <p:tgtEl>
+                                          <p:spTgt spid="3">
+                                            <p:txEl>
+                                              <p:pRg st="0" end="0"/>
+                                            </p:txEl>
+                                          </p:spTgt>
+                                        </p:tgtEl>
+                                        <p:attrNameLst>
+                                          <p:attrName>ppt_x</p:attrName>
+                                        </p:attrNameLst>
+                                      </p:cBhvr>
+                                      <p:tavLst>
+                                        <p:tav tm="0">
+                                          <p:val>
+                                            <p:strVal val="#ppt_x"/>
+                                          </p:val>
+                                        </p:tav>
+                                        <p:tav tm="50000">
+                                          <p:val>
+                                            <p:strVal val="#ppt_x+.1"/>
+                                          </p:val>
+                                        </p:tav>
+                                        <p:tav tm="100000">
+                                          <p:val>
+                                            <p:strVal val="#ppt_x"/>
+                                          </p:val>
+                                        </p:tav>
+                                      </p:tavLst>
+                                    </p:anim>
+                                    <p:anim calcmode="lin" valueType="num">
+                                      <p:cBhvr>
+                                        <p:cTn id="16" dur="500" fill="hold"/>
+                                        <p:tgtEl>
+                                          <p:spTgt spid="3">
+                                            <p:txEl>
+                                              <p:pRg st="0" end="0"/>
+                                            </p:txEl>
+                                          </p:spTgt>
+                                        </p:tgtEl>
+                                        <p:attrNameLst>
+                                          <p:attrName>ppt_y</p:attrName>
+                                        </p:attrNameLst>
+                                      </p:cBhvr>
+                                      <p:tavLst>
+                                        <p:tav tm="0">
+                                          <p:val>
+                                            <p:strVal val="#ppt_y"/>
+                                          </p:val>
+                                        </p:tav>
+                                        <p:tav tm="100000">
+                                          <p:val>
+                                            <p:strVal val="#ppt_y"/>
+                                          </p:val>
+                                        </p:tav>
+                                      </p:tavLst>
+                                    </p:anim>
+                                    <p:anim calcmode="lin" valueType="num">
+                                      <p:cBhvr>
+                                        <p:cTn id="17" dur="500" fill="hold"/>
+                                        <p:tgtEl>
+                                          <p:spTgt spid="3">
+                                            <p:txEl>
+                                              <p:pRg st="0" end="0"/>
+                                            </p:txEl>
+                                          </p:spTgt>
+                                        </p:tgtEl>
+                                        <p:attrNameLst>
+                                          <p:attrName>ppt_h</p:attrName>
+                                        </p:attrNameLst>
+                                      </p:cBhvr>
+                                      <p:tavLst>
+                                        <p:tav tm="0">
+                                          <p:val>
+                                            <p:strVal val="#ppt_h/10"/>
+                                          </p:val>
+                                        </p:tav>
+                                        <p:tav tm="50000">
+                                          <p:val>
+                                            <p:strVal val="#ppt_h+.01"/>
+                                          </p:val>
+                                        </p:tav>
+                                        <p:tav tm="100000">
+                                          <p:val>
+                                            <p:strVal val="#ppt_h"/>
+                                          </p:val>
+                                        </p:tav>
+                                      </p:tavLst>
+                                    </p:anim>
+                                    <p:anim calcmode="lin" valueType="num">
+                                      <p:cBhvr>
+                                        <p:cTn id="18" dur="500" fill="hold"/>
+                                        <p:tgtEl>
+                                          <p:spTgt spid="3">
+                                            <p:txEl>
+                                              <p:pRg st="0" end="0"/>
+                                            </p:txEl>
+                                          </p:spTgt>
+                                        </p:tgtEl>
+                                        <p:attrNameLst>
+                                          <p:attrName>ppt_w</p:attrName>
+                                        </p:attrNameLst>
+                                      </p:cBhvr>
+                                      <p:tavLst>
+                                        <p:tav tm="0">
+                                          <p:val>
+                                            <p:strVal val="#ppt_w/10"/>
+                                          </p:val>
+                                        </p:tav>
+                                        <p:tav tm="50000">
+                                          <p:val>
+                                            <p:strVal val="#ppt_w+.01"/>
+                                          </p:val>
+                                        </p:tav>
+                                        <p:tav tm="100000">
+                                          <p:val>
+                                            <p:strVal val="#ppt_w"/>
+                                          </p:val>
+                                        </p:tav>
+                                      </p:tavLst>
+                                    </p:anim>
+                                    <p:animEffect transition="in" filter="fade">
+                                      <p:cBhvr>
+                                        <p:cTn id="19" dur="500" tmFilter="0,0; .5, 1; 1, 1"/>
+                                        <p:tgtEl>
+                                          <p:spTgt spid="3">
+                                            <p:txEl>
+                                              <p:pRg st="0" end="0"/>
+                                            </p:txEl>
+                                          </p:spTgt>
+                                        </p:tgtEl>
+                                      </p:cBhvr>
+                                    </p:animEffect>
                                   </p:childTnLst>
                                 </p:cTn>
                               </p:par>
@@ -6374,26 +6539,29 @@
                     </p:cTn>
                   </p:par>
                   <p:par>
-                    <p:cTn id="15" fill="hold">
+                    <p:cTn id="20" fill="hold">
                       <p:stCondLst>
                         <p:cond delay="indefinite"/>
                       </p:stCondLst>
                       <p:childTnLst>
                         <p:par>
-                          <p:cTn id="16" fill="hold">
+                          <p:cTn id="21" fill="hold">
                             <p:stCondLst>
                               <p:cond delay="0"/>
                             </p:stCondLst>
                             <p:childTnLst>
                               <p:par>
-                                <p:cTn id="17" presetID="1" presetClass="entr" presetSubtype="0" fill="hold" grpId="0" nodeType="clickEffect">
+                                <p:cTn id="22" presetID="41" presetClass="entr" presetSubtype="0" fill="hold" grpId="0" nodeType="clickEffect">
                                   <p:stCondLst>
                                     <p:cond delay="0"/>
                                   </p:stCondLst>
+                                  <p:iterate type="lt">
+                                    <p:tmPct val="10000"/>
+                                  </p:iterate>
                                   <p:childTnLst>
                                     <p:set>
                                       <p:cBhvr>
-                                        <p:cTn id="18" dur="1" fill="hold">
+                                        <p:cTn id="23" dur="1" fill="hold">
                                           <p:stCondLst>
                                             <p:cond delay="0"/>
                                           </p:stCondLst>
@@ -6401,7 +6569,7 @@
                                         <p:tgtEl>
                                           <p:spTgt spid="3">
                                             <p:txEl>
-                                              <p:pRg st="2" end="2"/>
+                                              <p:pRg st="1" end="1"/>
                                             </p:txEl>
                                           </p:spTgt>
                                         </p:tgtEl>
@@ -6413,6 +6581,141 @@
                                         <p:strVal val="visible"/>
                                       </p:to>
                                     </p:set>
+                                    <p:anim calcmode="lin" valueType="num">
+                                      <p:cBhvr>
+                                        <p:cTn id="24" dur="500" fill="hold"/>
+                                        <p:tgtEl>
+                                          <p:spTgt spid="3">
+                                            <p:txEl>
+                                              <p:pRg st="1" end="1"/>
+                                            </p:txEl>
+                                          </p:spTgt>
+                                        </p:tgtEl>
+                                        <p:attrNameLst>
+                                          <p:attrName>ppt_x</p:attrName>
+                                        </p:attrNameLst>
+                                      </p:cBhvr>
+                                      <p:tavLst>
+                                        <p:tav tm="0">
+                                          <p:val>
+                                            <p:strVal val="#ppt_x"/>
+                                          </p:val>
+                                        </p:tav>
+                                        <p:tav tm="50000">
+                                          <p:val>
+                                            <p:strVal val="#ppt_x+.1"/>
+                                          </p:val>
+                                        </p:tav>
+                                        <p:tav tm="100000">
+                                          <p:val>
+                                            <p:strVal val="#ppt_x"/>
+                                          </p:val>
+                                        </p:tav>
+                                      </p:tavLst>
+                                    </p:anim>
+                                    <p:anim calcmode="lin" valueType="num">
+                                      <p:cBhvr>
+                                        <p:cTn id="25" dur="500" fill="hold"/>
+                                        <p:tgtEl>
+                                          <p:spTgt spid="3">
+                                            <p:txEl>
+                                              <p:pRg st="1" end="1"/>
+                                            </p:txEl>
+                                          </p:spTgt>
+                                        </p:tgtEl>
+                                        <p:attrNameLst>
+                                          <p:attrName>ppt_y</p:attrName>
+                                        </p:attrNameLst>
+                                      </p:cBhvr>
+                                      <p:tavLst>
+                                        <p:tav tm="0">
+                                          <p:val>
+                                            <p:strVal val="#ppt_y"/>
+                                          </p:val>
+                                        </p:tav>
+                                        <p:tav tm="100000">
+                                          <p:val>
+                                            <p:strVal val="#ppt_y"/>
+                                          </p:val>
+                                        </p:tav>
+                                      </p:tavLst>
+                                    </p:anim>
+                                    <p:anim calcmode="lin" valueType="num">
+                                      <p:cBhvr>
+                                        <p:cTn id="26" dur="500" fill="hold"/>
+                                        <p:tgtEl>
+                                          <p:spTgt spid="3">
+                                            <p:txEl>
+                                              <p:pRg st="1" end="1"/>
+                                            </p:txEl>
+                                          </p:spTgt>
+                                        </p:tgtEl>
+                                        <p:attrNameLst>
+                                          <p:attrName>ppt_h</p:attrName>
+                                        </p:attrNameLst>
+                                      </p:cBhvr>
+                                      <p:tavLst>
+                                        <p:tav tm="0">
+                                          <p:val>
+                                            <p:strVal val="#ppt_h/10"/>
+                                          </p:val>
+                                        </p:tav>
+                                        <p:tav tm="50000">
+                                          <p:val>
+                                            <p:strVal val="#ppt_h+.01"/>
+                                          </p:val>
+                                        </p:tav>
+                                        <p:tav tm="100000">
+                                          <p:val>
+                                            <p:strVal val="#ppt_h"/>
+                                          </p:val>
+                                        </p:tav>
+                                      </p:tavLst>
+                                    </p:anim>
+                                    <p:anim calcmode="lin" valueType="num">
+                                      <p:cBhvr>
+                                        <p:cTn id="27" dur="500" fill="hold"/>
+                                        <p:tgtEl>
+                                          <p:spTgt spid="3">
+                                            <p:txEl>
+                                              <p:pRg st="1" end="1"/>
+                                            </p:txEl>
+                                          </p:spTgt>
+                                        </p:tgtEl>
+                                        <p:attrNameLst>
+                                          <p:attrName>ppt_w</p:attrName>
+                                        </p:attrNameLst>
+                                      </p:cBhvr>
+                                      <p:tavLst>
+                                        <p:tav tm="0">
+                                          <p:val>
+                                            <p:strVal val="#ppt_w/10"/>
+                                          </p:val>
+                                        </p:tav>
+                                        <p:tav tm="50000">
+                                          <p:val>
+                                            <p:strVal val="#ppt_w+.01"/>
+                                          </p:val>
+                                        </p:tav>
+                                        <p:tav tm="100000">
+                                          <p:val>
+                                            <p:strVal val="#ppt_w"/>
+                                          </p:val>
+                                        </p:tav>
+                                      </p:tavLst>
+                                    </p:anim>
+                                    <p:animEffect transition="in" filter="fade">
+                                      <p:cBhvr>
+                                        <p:cTn id="28" dur="500" tmFilter="0,0; .5, 1; 1, 1"/>
+                                        <p:tgtEl>
+                                          <p:spTgt spid="3">
+                                            <p:txEl>
+                                              <p:pRg st="1" end="1"/>
+                                            </p:txEl>
+                                          </p:spTgt>
+                                        </p:tgtEl>
+                                      </p:cBhvr>
+                                    </p:animEffect>
                                   </p:childTnLst>
                                 </p:cTn>
                               </p:par>
@@ -6423,26 +6726,216 @@
                     </p:cTn>
                   </p:par>
                   <p:par>
-                    <p:cTn id="19" fill="hold">
+                    <p:cTn id="29" fill="hold">
                       <p:stCondLst>
                         <p:cond delay="indefinite"/>
                       </p:stCondLst>
                       <p:childTnLst>
                         <p:par>
-                          <p:cTn id="20" fill="hold">
+                          <p:cTn id="30" fill="hold">
                             <p:stCondLst>
                               <p:cond delay="0"/>
                             </p:stCondLst>
                             <p:childTnLst>
                               <p:par>
-                                <p:cTn id="21" presetID="1" presetClass="entr" presetSubtype="0" fill="hold" grpId="0" nodeType="clickEffect">
+                                <p:cTn id="31" presetID="41" presetClass="entr" presetSubtype="0" fill="hold" grpId="0" nodeType="clickEffect">
                                   <p:stCondLst>
                                     <p:cond delay="0"/>
                                   </p:stCondLst>
+                                  <p:iterate type="lt">
+                                    <p:tmPct val="10000"/>
+                                  </p:iterate>
                                   <p:childTnLst>
                                     <p:set>
                                       <p:cBhvr>
-                                        <p:cTn id="22" dur="1" fill="hold">
+                                        <p:cTn id="32" dur="1" fill="hold">
+                                          <p:stCondLst>
+                                            <p:cond delay="0"/>
+                                          </p:stCondLst>
+                                        </p:cTn>
+                                        <p:tgtEl>
+                                          <p:spTgt spid="3">
+                                            <p:txEl>
+                                              <p:pRg st="2" end="2"/>
+                                            </p:txEl>
+                                          </p:spTgt>
+                                        </p:tgtEl>
+                                        <p:attrNameLst>
+                                          <p:attrName>style.visibility</p:attrName>
+                                        </p:attrNameLst>
+                                      </p:cBhvr>
+                                      <p:to>
+                                        <p:strVal val="visible"/>
+                                      </p:to>
+                                    </p:set>
+                                    <p:anim calcmode="lin" valueType="num">
+                                      <p:cBhvr>
+                                        <p:cTn id="33" dur="500" fill="hold"/>
+                                        <p:tgtEl>
+                                          <p:spTgt spid="3">
+                                            <p:txEl>
+                                              <p:pRg st="2" end="2"/>
+                                            </p:txEl>
+                                          </p:spTgt>
+                                        </p:tgtEl>
+                                        <p:attrNameLst>
+                                          <p:attrName>ppt_x</p:attrName>
+                                        </p:attrNameLst>
+                                      </p:cBhvr>
+                                      <p:tavLst>
+                                        <p:tav tm="0">
+                                          <p:val>
+                                            <p:strVal val="#ppt_x"/>
+                                          </p:val>
+                                        </p:tav>
+                                        <p:tav tm="50000">
+                                          <p:val>
+                                            <p:strVal val="#ppt_x+.1"/>
+                                          </p:val>
+                                        </p:tav>
+                                        <p:tav tm="100000">
+                                          <p:val>
+                                            <p:strVal val="#ppt_x"/>
+                                          </p:val>
+                                        </p:tav>
+                                      </p:tavLst>
+                                    </p:anim>
+                                    <p:anim calcmode="lin" valueType="num">
+                                      <p:cBhvr>
+                                        <p:cTn id="34" dur="500" fill="hold"/>
+                                        <p:tgtEl>
+                                          <p:spTgt spid="3">
+                                            <p:txEl>
+                                              <p:pRg st="2" end="2"/>
+                                            </p:txEl>
+                                          </p:spTgt>
+                                        </p:tgtEl>
+                                        <p:attrNameLst>
+                                          <p:attrName>ppt_y</p:attrName>
+                                        </p:attrNameLst>
+                                      </p:cBhvr>
+                                      <p:tavLst>
+                                        <p:tav tm="0">
+                                          <p:val>
+                                            <p:strVal val="#ppt_y"/>
+                                          </p:val>
+                                        </p:tav>
+                                        <p:tav tm="100000">
+                                          <p:val>
+                                            <p:strVal val="#ppt_y"/>
+                                          </p:val>
+                                        </p:tav>
+                                      </p:tavLst>
+                                    </p:anim>
+                                    <p:anim calcmode="lin" valueType="num">
+                                      <p:cBhvr>
+                                        <p:cTn id="35" dur="500" fill="hold"/>
+                                        <p:tgtEl>
+                                          <p:spTgt spid="3">
+                                            <p:txEl>
+                                              <p:pRg st="2" end="2"/>
+                                            </p:txEl>
+                                          </p:spTgt>
+                                        </p:tgtEl>
+                                        <p:attrNameLst>
+                                          <p:attrName>ppt_h</p:attrName>
+                                        </p:attrNameLst>
+                                      </p:cBhvr>
+                                      <p:tavLst>
+                                        <p:tav tm="0">
+                                          <p:val>
+                                            <p:strVal val="#ppt_h/10"/>
+                                          </p:val>
+                                        </p:tav>
+                                        <p:tav tm="50000">
+                                          <p:val>
+                                            <p:strVal val="#ppt_h+.01"/>
+                                          </p:val>
+                                        </p:tav>
+                                        <p:tav tm="100000">
+                                          <p:val>
+                                            <p:strVal val="#ppt_h"/>
+                                          </p:val>
+                                        </p:tav>
+                                      </p:tavLst>
+                                    </p:anim>
+                                    <p:anim calcmode="lin" valueType="num">
+                                      <p:cBhvr>
+                                        <p:cTn id="36" dur="500" fill="hold"/>
+                                        <p:tgtEl>
+                                          <p:spTgt spid="3">
+                                            <p:txEl>
+                                              <p:pRg st="2" end="2"/>
+                                            </p:txEl>
+                                          </p:spTgt>
+                                        </p:tgtEl>
+                                        <p:attrNameLst>
+                                          <p:attrName>ppt_w</p:attrName>
+                                        </p:attrNameLst>
+                                      </p:cBhvr>
+                                      <p:tavLst>
+                                        <p:tav tm="0">
+                                          <p:val>
+                                            <p:strVal val="#ppt_w/10"/>
+                                          </p:val>
+                                        </p:tav>
+                                        <p:tav tm="50000">
+                                          <p:val>
+                                            <p:strVal val="#ppt_w+.01"/>
+                                          </p:val>
+                                        </p:tav>
+                                        <p:tav tm="100000">
+                                          <p:val>
+                                            <p:strVal val="#ppt_w"/>
+                                          </p:val>
+                                        </p:tav>
+                                      </p:tavLst>
+                                    </p:anim>
+                                    <p:animEffect transition="in" filter="fade">
+                                      <p:cBhvr>
+                                        <p:cTn id="37" dur="500" tmFilter="0,0; .5, 1; 1, 1"/>
+                                        <p:tgtEl>
+                                          <p:spTgt spid="3">
+                                            <p:txEl>
+                                              <p:pRg st="2" end="2"/>
+                                            </p:txEl>
+                                          </p:spTgt>
+                                        </p:tgtEl>
+                                      </p:cBhvr>
+                                    </p:animEffect>
+                                  </p:childTnLst>
+                                </p:cTn>
+                              </p:par>
+                            </p:childTnLst>
+                          </p:cTn>
+                        </p:par>
+                      </p:childTnLst>
+                    </p:cTn>
+                  </p:par>
+                  <p:par>
+                    <p:cTn id="38" fill="hold">
+                      <p:stCondLst>
+                        <p:cond delay="indefinite"/>
+                      </p:stCondLst>
+                      <p:childTnLst>
+                        <p:par>
+                          <p:cTn id="39" fill="hold">
+                            <p:stCondLst>
+                              <p:cond delay="0"/>
+                            </p:stCondLst>
+                            <p:childTnLst>
+                              <p:par>
+                                <p:cTn id="40" presetID="41" presetClass="entr" presetSubtype="0" fill="hold" grpId="0" nodeType="clickEffect">
+                                  <p:stCondLst>
+                                    <p:cond delay="0"/>
+                                  </p:stCondLst>
+                                  <p:iterate type="lt">
+                                    <p:tmPct val="10000"/>
+                                  </p:iterate>
+                                  <p:childTnLst>
+                                    <p:set>
+                                      <p:cBhvr>
+                                        <p:cTn id="41" dur="1" fill="hold">
                                           <p:stCondLst>
                                             <p:cond delay="0"/>
                                           </p:stCondLst>
@@ -6462,6 +6955,141 @@
                                         <p:strVal val="visible"/>
                                       </p:to>
                                     </p:set>
+                                    <p:anim calcmode="lin" valueType="num">
+                                      <p:cBhvr>
+                                        <p:cTn id="42" dur="500" fill="hold"/>
+                                        <p:tgtEl>
+                                          <p:spTgt spid="3">
+                                            <p:txEl>
+                                              <p:pRg st="3" end="3"/>
+                                            </p:txEl>
+                                          </p:spTgt>
+                                        </p:tgtEl>
+                                        <p:attrNameLst>
+                                          <p:attrName>ppt_x</p:attrName>
+                                        </p:attrNameLst>
+                                      </p:cBhvr>
+                                      <p:tavLst>
+                                        <p:tav tm="0">
+                                          <p:val>
+                                            <p:strVal val="#ppt_x"/>
+                                          </p:val>
+                                        </p:tav>
+                                        <p:tav tm="50000">
+                                          <p:val>
+                                            <p:strVal val="#ppt_x+.1"/>
+                                          </p:val>
+                                        </p:tav>
+                                        <p:tav tm="100000">
+                                          <p:val>
+                                            <p:strVal val="#ppt_x"/>
+                                          </p:val>
+                                        </p:tav>
+                                      </p:tavLst>
+                                    </p:anim>
+                                    <p:anim calcmode="lin" valueType="num">
+                                      <p:cBhvr>
+                                        <p:cTn id="43" dur="500" fill="hold"/>
+                                        <p:tgtEl>
+                                          <p:spTgt spid="3">
+                                            <p:txEl>
+                                              <p:pRg st="3" end="3"/>
+                                            </p:txEl>
+                                          </p:spTgt>
+                                        </p:tgtEl>
+                                        <p:attrNameLst>
+                                          <p:attrName>ppt_y</p:attrName>
+                                        </p:attrNameLst>
+                                      </p:cBhvr>
+                                      <p:tavLst>
+                                        <p:tav tm="0">
+                                          <p:val>
+                                            <p:strVal val="#ppt_y"/>
+                                          </p:val>
+                                        </p:tav>
+                                        <p:tav tm="100000">
+                                          <p:val>
+                                            <p:strVal val="#ppt_y"/>
+                                          </p:val>
+                                        </p:tav>
+                                      </p:tavLst>
+                                    </p:anim>
+                                    <p:anim calcmode="lin" valueType="num">
+                                      <p:cBhvr>
+                                        <p:cTn id="44" dur="500" fill="hold"/>
+                                        <p:tgtEl>
+                                          <p:spTgt spid="3">
+                                            <p:txEl>
+                                              <p:pRg st="3" end="3"/>
+                                            </p:txEl>
+                                          </p:spTgt>
+                                        </p:tgtEl>
+                                        <p:attrNameLst>
+                                          <p:attrName>ppt_h</p:attrName>
+                                        </p:attrNameLst>
+                                      </p:cBhvr>
+                                      <p:tavLst>
+                                        <p:tav tm="0">
+                                          <p:val>
+                                            <p:strVal val="#ppt_h/10"/>
+                                          </p:val>
+                                        </p:tav>
+                                        <p:tav tm="50000">
+                                          <p:val>
+                                            <p:strVal val="#ppt_h+.01"/>
+                                          </p:val>
+                                        </p:tav>
+                                        <p:tav tm="100000">
+                                          <p:val>
+                                            <p:strVal val="#ppt_h"/>
+                                          </p:val>
+                                        </p:tav>
+                                      </p:tavLst>
+                                    </p:anim>
+                                    <p:anim calcmode="lin" valueType="num">
+                                      <p:cBhvr>
+                                        <p:cTn id="45" dur="500" fill="hold"/>
+                                        <p:tgtEl>
+                                          <p:spTgt spid="3">
+                                            <p:txEl>
+                                              <p:pRg st="3" end="3"/>
+                                            </p:txEl>
+                                          </p:spTgt>
+                                        </p:tgtEl>
+                                        <p:attrNameLst>
+                                          <p:attrName>ppt_w</p:attrName>
+                                        </p:attrNameLst>
+                                      </p:cBhvr>
+                                      <p:tavLst>
+                                        <p:tav tm="0">
+                                          <p:val>
+                                            <p:strVal val="#ppt_w/10"/>
+                                          </p:val>
+                                        </p:tav>
+                                        <p:tav tm="50000">
+                                          <p:val>
+                                            <p:strVal val="#ppt_w+.01"/>
+                                          </p:val>
+                                        </p:tav>
+                                        <p:tav tm="100000">
+                                          <p:val>
+                                            <p:strVal val="#ppt_w"/>
+                                          </p:val>
+                                        </p:tav>
+                                      </p:tavLst>
+                                    </p:anim>
+                                    <p:animEffect transition="in" filter="fade">
+                                      <p:cBhvr>
+                                        <p:cTn id="46" dur="500" tmFilter="0,0; .5, 1; 1, 1"/>
+                                        <p:tgtEl>
+                                          <p:spTgt spid="3">
+                                            <p:txEl>
+                                              <p:pRg st="3" end="3"/>
+                                            </p:txEl>
+                                          </p:spTgt>
+                                        </p:tgtEl>
+                                      </p:cBhvr>
+                                    </p:animEffect>
                                   </p:childTnLst>
                                 </p:cTn>
                               </p:par>
@@ -6494,13 +7122,13 @@
     </p:tnLst>
     <p:bldLst>
       <p:bldP spid="2" grpId="0"/>
-      <p:bldP spid="3" grpId="0" build="p"/>
+      <p:bldP spid="3" grpId="0" uiExpand="1" build="p"/>
     </p:bldLst>
   </p:timing>
 </p:sld>
 </file>
 
-<file path=ppt/slides/slide2.xml><?xml version="1.0" encoding="utf-8"?>
+<file path=ppt/slides/slide10.xml><?xml version="1.0" encoding="utf-8"?>
 <p:sld xmlns:a="http://schemas.openxmlformats.org/drawingml/2006/main" xmlns:r="http://schemas.openxmlformats.org/officeDocument/2006/relationships" xmlns:p="http://schemas.openxmlformats.org/presentationml/2006/main">
   <p:cSld>
     <p:spTree>
@@ -6519,10 +7147,10 @@
       </p:grpSpPr>
       <p:sp>
         <p:nvSpPr>
-          <p:cNvPr id="2" name="Title 1">
+          <p:cNvPr id="3" name="Content Placeholder 2">
             <a:extLst>
               <a:ext uri="{FF2B5EF4-FFF2-40B4-BE49-F238E27FC236}">
-                <a16:creationId xmlns:a16="http://schemas.microsoft.com/office/drawing/2014/main" id="{72B055AB-DE83-D946-8C77-A2498AA8A084}"/>
+                <a16:creationId xmlns:a16="http://schemas.microsoft.com/office/drawing/2014/main" id="{B6892C6C-F1AB-BD4C-974E-737CBE3FA841}"/>
               </a:ext>
             </a:extLst>
           </p:cNvPr>
@@ -6530,72 +7158,27 @@
             <a:spLocks noGrp="1"/>
           </p:cNvSpPr>
           <p:nvPr>
-            <p:ph type="title"/>
-          </p:nvPr>
-        </p:nvSpPr>
-        <p:spPr/>
-        <p:txBody>
-          <a:bodyPr/>
-          <a:lstStyle/>
-          <a:p>
-            <a:r>
-              <a:rPr lang="en-US" dirty="0"/>
-              <a:t>BACKGROUND</a:t>
-            </a:r>
-          </a:p>
-        </p:txBody>
-      </p:sp>
-      <p:sp>
-        <p:nvSpPr>
-          <p:cNvPr id="3" name="Content Placeholder 2">
-            <a:extLst>
-              <a:ext uri="{FF2B5EF4-FFF2-40B4-BE49-F238E27FC236}">
-                <a16:creationId xmlns:a16="http://schemas.microsoft.com/office/drawing/2014/main" id="{470DE084-8E97-7748-85DA-32040D699313}"/>
-              </a:ext>
-            </a:extLst>
-          </p:cNvPr>
-          <p:cNvSpPr>
-            <a:spLocks noGrp="1"/>
-          </p:cNvSpPr>
-          <p:nvPr>
             <p:ph idx="1"/>
           </p:nvPr>
         </p:nvSpPr>
-        <p:spPr/>
-        <p:txBody>
-          <a:bodyPr/>
+        <p:spPr>
+          <a:xfrm>
+            <a:off x="4075113" y="1981480"/>
+            <a:ext cx="5126038" cy="1118907"/>
+          </a:xfrm>
+        </p:spPr>
+        <p:txBody>
+          <a:bodyPr>
+            <a:normAutofit/>
+          </a:bodyPr>
           <a:lstStyle/>
           <a:p>
             <a:pPr marL="0" indent="0">
               <a:buNone/>
             </a:pPr>
             <a:r>
-              <a:rPr lang="en-US" dirty="0"/>
-              <a:t>Why did we choose this track?</a:t>
-            </a:r>
-          </a:p>
-          <a:p>
-            <a:pPr marL="0" indent="0">
-              <a:buNone/>
-            </a:pPr>
-            <a:endParaRPr lang="en-US" dirty="0"/>
-          </a:p>
-          <a:p>
-            <a:pPr marL="0" indent="0">
-              <a:buNone/>
-            </a:pPr>
-            <a:r>
-              <a:rPr lang="en-US" dirty="0"/>
-              <a:t>Because mass vaccination for covid is taking place soon</a:t>
-            </a:r>
-          </a:p>
-          <a:p>
-            <a:pPr marL="0" indent="0">
-              <a:buNone/>
-            </a:pPr>
-            <a:r>
-              <a:rPr lang="en-US" dirty="0"/>
-              <a:t>We believe this is very helpful to make schedule when each person get vaccinated</a:t>
+              <a:rPr lang="en-US" sz="3600" dirty="0"/>
+              <a:t>THANK YOU</a:t>
             </a:r>
           </a:p>
         </p:txBody>
@@ -6603,13 +7186,16 @@
     </p:spTree>
     <p:extLst>
       <p:ext uri="{BB962C8B-B14F-4D97-AF65-F5344CB8AC3E}">
-        <p14:creationId xmlns:p14="http://schemas.microsoft.com/office/powerpoint/2010/main" val="4227599317"/>
+        <p14:creationId xmlns:p14="http://schemas.microsoft.com/office/powerpoint/2010/main" val="3532524620"/>
       </p:ext>
     </p:extLst>
   </p:cSld>
   <p:clrMapOvr>
     <a:masterClrMapping/>
   </p:clrMapOvr>
+  <p:transition spd="slow">
+    <p:push dir="u"/>
+  </p:transition>
   <p:timing>
     <p:tnLst>
       <p:par>
@@ -6631,10 +7217,13 @@
                             </p:stCondLst>
                             <p:childTnLst>
                               <p:par>
-                                <p:cTn id="5" presetID="2" presetClass="entr" presetSubtype="4" fill="hold" grpId="0" nodeType="clickEffect">
+                                <p:cTn id="5" presetID="38" presetClass="entr" presetSubtype="0" accel="50000" fill="hold" grpId="0" nodeType="clickEffect">
                                   <p:stCondLst>
                                     <p:cond delay="0"/>
                                   </p:stCondLst>
+                                  <p:iterate type="lt">
+                                    <p:tmPct val="50000"/>
+                                  </p:iterate>
                                   <p:childTnLst>
                                     <p:set>
                                       <p:cBhvr>
@@ -6644,97 +7233,6 @@
                                           </p:stCondLst>
                                         </p:cTn>
                                         <p:tgtEl>
-                                          <p:spTgt spid="2"/>
-                                        </p:tgtEl>
-                                        <p:attrNameLst>
-                                          <p:attrName>style.visibility</p:attrName>
-                                        </p:attrNameLst>
-                                      </p:cBhvr>
-                                      <p:to>
-                                        <p:strVal val="visible"/>
-                                      </p:to>
-                                    </p:set>
-                                    <p:anim calcmode="lin" valueType="num">
-                                      <p:cBhvr additive="base">
-                                        <p:cTn id="7" dur="500" fill="hold"/>
-                                        <p:tgtEl>
-                                          <p:spTgt spid="2"/>
-                                        </p:tgtEl>
-                                        <p:attrNameLst>
-                                          <p:attrName>ppt_x</p:attrName>
-                                        </p:attrNameLst>
-                                      </p:cBhvr>
-                                      <p:tavLst>
-                                        <p:tav tm="0">
-                                          <p:val>
-                                            <p:strVal val="#ppt_x"/>
-                                          </p:val>
-                                        </p:tav>
-                                        <p:tav tm="100000">
-                                          <p:val>
-                                            <p:strVal val="#ppt_x"/>
-                                          </p:val>
-                                        </p:tav>
-                                      </p:tavLst>
-                                    </p:anim>
-                                    <p:anim calcmode="lin" valueType="num">
-                                      <p:cBhvr additive="base">
-                                        <p:cTn id="8" dur="500" fill="hold"/>
-                                        <p:tgtEl>
-                                          <p:spTgt spid="2"/>
-                                        </p:tgtEl>
-                                        <p:attrNameLst>
-                                          <p:attrName>ppt_y</p:attrName>
-                                        </p:attrNameLst>
-                                      </p:cBhvr>
-                                      <p:tavLst>
-                                        <p:tav tm="0">
-                                          <p:val>
-                                            <p:strVal val="1+#ppt_h/2"/>
-                                          </p:val>
-                                        </p:tav>
-                                        <p:tav tm="100000">
-                                          <p:val>
-                                            <p:strVal val="#ppt_y"/>
-                                          </p:val>
-                                        </p:tav>
-                                      </p:tavLst>
-                                    </p:anim>
-                                  </p:childTnLst>
-                                </p:cTn>
-                              </p:par>
-                            </p:childTnLst>
-                          </p:cTn>
-                        </p:par>
-                      </p:childTnLst>
-                    </p:cTn>
-                  </p:par>
-                  <p:par>
-                    <p:cTn id="9" fill="hold">
-                      <p:stCondLst>
-                        <p:cond delay="indefinite"/>
-                      </p:stCondLst>
-                      <p:childTnLst>
-                        <p:par>
-                          <p:cTn id="10" fill="hold">
-                            <p:stCondLst>
-                              <p:cond delay="0"/>
-                            </p:stCondLst>
-                            <p:childTnLst>
-                              <p:par>
-                                <p:cTn id="11" presetID="2" presetClass="entr" presetSubtype="4" fill="hold" grpId="0" nodeType="clickEffect">
-                                  <p:stCondLst>
-                                    <p:cond delay="0"/>
-                                  </p:stCondLst>
-                                  <p:childTnLst>
-                                    <p:set>
-                                      <p:cBhvr>
-                                        <p:cTn id="12" dur="1" fill="hold">
-                                          <p:stCondLst>
-                                            <p:cond delay="0"/>
-                                          </p:stCondLst>
-                                        </p:cTn>
-                                        <p:tgtEl>
                                           <p:spTgt spid="3">
                                             <p:txEl>
                                               <p:pRg st="0" end="0"/>
@@ -6749,9 +7247,13 @@
                                         <p:strVal val="visible"/>
                                       </p:to>
                                     </p:set>
-                                    <p:anim calcmode="lin" valueType="num">
-                                      <p:cBhvr additive="base">
-                                        <p:cTn id="13" dur="500" fill="hold"/>
+                                    <p:set>
+                                      <p:cBhvr>
+                                        <p:cTn id="7" dur="455" fill="hold">
+                                          <p:stCondLst>
+                                            <p:cond delay="0"/>
+                                          </p:stCondLst>
+                                        </p:cTn>
                                         <p:tgtEl>
                                           <p:spTgt spid="3">
                                             <p:txEl>
@@ -6760,25 +7262,20 @@
                                           </p:spTgt>
                                         </p:tgtEl>
                                         <p:attrNameLst>
-                                          <p:attrName>ppt_x</p:attrName>
+                                          <p:attrName>style.rotation</p:attrName>
                                         </p:attrNameLst>
                                       </p:cBhvr>
-                                      <p:tavLst>
-                                        <p:tav tm="0">
-                                          <p:val>
-                                            <p:strVal val="#ppt_x"/>
-                                          </p:val>
-                                        </p:tav>
-                                        <p:tav tm="100000">
-                                          <p:val>
-                                            <p:strVal val="#ppt_x"/>
-                                          </p:val>
-                                        </p:tav>
-                                      </p:tavLst>
-                                    </p:anim>
+                                      <p:to>
+                                        <p:strVal val="-45.0"/>
+                                      </p:to>
+                                    </p:set>
                                     <p:anim calcmode="lin" valueType="num">
-                                      <p:cBhvr additive="base">
-                                        <p:cTn id="14" dur="500" fill="hold"/>
+                                      <p:cBhvr>
+                                        <p:cTn id="8" dur="455" fill="hold">
+                                          <p:stCondLst>
+                                            <p:cond delay="455"/>
+                                          </p:stCondLst>
+                                        </p:cTn>
                                         <p:tgtEl>
                                           <p:spTgt spid="3">
                                             <p:txEl>
@@ -6787,52 +7284,30 @@
                                           </p:spTgt>
                                         </p:tgtEl>
                                         <p:attrNameLst>
-                                          <p:attrName>ppt_y</p:attrName>
+                                          <p:attrName>style.rotation</p:attrName>
                                         </p:attrNameLst>
                                       </p:cBhvr>
                                       <p:tavLst>
                                         <p:tav tm="0">
                                           <p:val>
-                                            <p:strVal val="1+#ppt_h/2"/>
+                                            <p:fltVal val="-45"/>
+                                          </p:val>
+                                        </p:tav>
+                                        <p:tav tm="69900">
+                                          <p:val>
+                                            <p:fltVal val="45"/>
                                           </p:val>
                                         </p:tav>
                                         <p:tav tm="100000">
                                           <p:val>
-                                            <p:strVal val="#ppt_y"/>
+                                            <p:fltVal val="0"/>
                                           </p:val>
                                         </p:tav>
                                       </p:tavLst>
                                     </p:anim>
-                                  </p:childTnLst>
-                                </p:cTn>
-                              </p:par>
-                            </p:childTnLst>
-                          </p:cTn>
-                        </p:par>
-                      </p:childTnLst>
-                    </p:cTn>
-                  </p:par>
-                  <p:par>
-                    <p:cTn id="15" fill="hold">
-                      <p:stCondLst>
-                        <p:cond delay="indefinite"/>
-                      </p:stCondLst>
-                      <p:childTnLst>
-                        <p:par>
-                          <p:cTn id="16" fill="hold">
-                            <p:stCondLst>
-                              <p:cond delay="0"/>
-                            </p:stCondLst>
-                            <p:childTnLst>
-                              <p:par>
-                                <p:cTn id="17" presetID="2" presetClass="entr" presetSubtype="4" fill="hold" grpId="0" nodeType="clickEffect">
-                                  <p:stCondLst>
-                                    <p:cond delay="0"/>
-                                  </p:stCondLst>
-                                  <p:childTnLst>
-                                    <p:set>
+                                    <p:anim calcmode="lin" valueType="num">
                                       <p:cBhvr>
-                                        <p:cTn id="18" dur="1" fill="hold">
+                                        <p:cTn id="9" dur="455" fill="hold">
                                           <p:stCondLst>
                                             <p:cond delay="0"/>
                                           </p:stCondLst>
@@ -6840,52 +7315,38 @@
                                         <p:tgtEl>
                                           <p:spTgt spid="3">
                                             <p:txEl>
-                                              <p:pRg st="2" end="2"/>
+                                              <p:pRg st="0" end="0"/>
                                             </p:txEl>
                                           </p:spTgt>
                                         </p:tgtEl>
                                         <p:attrNameLst>
-                                          <p:attrName>style.visibility</p:attrName>
-                                        </p:attrNameLst>
-                                      </p:cBhvr>
-                                      <p:to>
-                                        <p:strVal val="visible"/>
-                                      </p:to>
-                                    </p:set>
-                                    <p:anim calcmode="lin" valueType="num">
-                                      <p:cBhvr additive="base">
-                                        <p:cTn id="19" dur="500" fill="hold"/>
-                                        <p:tgtEl>
-                                          <p:spTgt spid="3">
-                                            <p:txEl>
-                                              <p:pRg st="2" end="2"/>
-                                            </p:txEl>
-                                          </p:spTgt>
-                                        </p:tgtEl>
-                                        <p:attrNameLst>
-                                          <p:attrName>ppt_x</p:attrName>
+                                          <p:attrName>ppt_y</p:attrName>
                                         </p:attrNameLst>
                                       </p:cBhvr>
                                       <p:tavLst>
                                         <p:tav tm="0">
                                           <p:val>
-                                            <p:strVal val="#ppt_x"/>
+                                            <p:strVal val="#ppt_y-1"/>
                                           </p:val>
                                         </p:tav>
                                         <p:tav tm="100000">
                                           <p:val>
-                                            <p:strVal val="#ppt_x"/>
+                                            <p:strVal val="#ppt_y-(0.354*#ppt_w-0.172*#ppt_h)"/>
                                           </p:val>
                                         </p:tav>
                                       </p:tavLst>
                                     </p:anim>
                                     <p:anim calcmode="lin" valueType="num">
-                                      <p:cBhvr additive="base">
-                                        <p:cTn id="20" dur="500" fill="hold"/>
+                                      <p:cBhvr>
+                                        <p:cTn id="10" dur="156" decel="50000" autoRev="1" fill="hold">
+                                          <p:stCondLst>
+                                            <p:cond delay="455"/>
+                                          </p:stCondLst>
+                                        </p:cTn>
                                         <p:tgtEl>
                                           <p:spTgt spid="3">
                                             <p:txEl>
-                                              <p:pRg st="2" end="2"/>
+                                              <p:pRg st="0" end="0"/>
                                             </p:txEl>
                                           </p:spTgt>
                                         </p:tgtEl>
@@ -6896,99 +7357,27 @@
                                       <p:tavLst>
                                         <p:tav tm="0">
                                           <p:val>
-                                            <p:strVal val="1+#ppt_h/2"/>
+                                            <p:strVal val="#ppt_y-(0.354*#ppt_w-0.172*#ppt_h)"/>
                                           </p:val>
                                         </p:tav>
                                         <p:tav tm="100000">
                                           <p:val>
-                                            <p:strVal val="#ppt_y"/>
-                                          </p:val>
-                                        </p:tav>
-                                      </p:tavLst>
-                                    </p:anim>
-                                  </p:childTnLst>
-                                </p:cTn>
-                              </p:par>
-                            </p:childTnLst>
-                          </p:cTn>
-                        </p:par>
-                      </p:childTnLst>
-                    </p:cTn>
-                  </p:par>
-                  <p:par>
-                    <p:cTn id="21" fill="hold">
-                      <p:stCondLst>
-                        <p:cond delay="indefinite"/>
-                      </p:stCondLst>
-                      <p:childTnLst>
-                        <p:par>
-                          <p:cTn id="22" fill="hold">
-                            <p:stCondLst>
-                              <p:cond delay="0"/>
-                            </p:stCondLst>
-                            <p:childTnLst>
-                              <p:par>
-                                <p:cTn id="23" presetID="2" presetClass="entr" presetSubtype="4" fill="hold" grpId="0" nodeType="clickEffect">
-                                  <p:stCondLst>
-                                    <p:cond delay="0"/>
-                                  </p:stCondLst>
-                                  <p:childTnLst>
-                                    <p:set>
-                                      <p:cBhvr>
-                                        <p:cTn id="24" dur="1" fill="hold">
-                                          <p:stCondLst>
-                                            <p:cond delay="0"/>
-                                          </p:stCondLst>
-                                        </p:cTn>
-                                        <p:tgtEl>
-                                          <p:spTgt spid="3">
-                                            <p:txEl>
-                                              <p:pRg st="3" end="3"/>
-                                            </p:txEl>
-                                          </p:spTgt>
-                                        </p:tgtEl>
-                                        <p:attrNameLst>
-                                          <p:attrName>style.visibility</p:attrName>
-                                        </p:attrNameLst>
-                                      </p:cBhvr>
-                                      <p:to>
-                                        <p:strVal val="visible"/>
-                                      </p:to>
-                                    </p:set>
-                                    <p:anim calcmode="lin" valueType="num">
-                                      <p:cBhvr additive="base">
-                                        <p:cTn id="25" dur="500" fill="hold"/>
-                                        <p:tgtEl>
-                                          <p:spTgt spid="3">
-                                            <p:txEl>
-                                              <p:pRg st="3" end="3"/>
-                                            </p:txEl>
-                                          </p:spTgt>
-                                        </p:tgtEl>
-                                        <p:attrNameLst>
-                                          <p:attrName>ppt_x</p:attrName>
-                                        </p:attrNameLst>
-                                      </p:cBhvr>
-                                      <p:tavLst>
-                                        <p:tav tm="0">
-                                          <p:val>
-                                            <p:strVal val="#ppt_x"/>
-                                          </p:val>
-                                        </p:tav>
-                                        <p:tav tm="100000">
-                                          <p:val>
-                                            <p:strVal val="#ppt_x"/>
+                                            <p:strVal val="#ppt_y-(0.354*#ppt_w-0.172*#ppt_h)-#ppt_h/2"/>
                                           </p:val>
                                         </p:tav>
                                       </p:tavLst>
                                     </p:anim>
                                     <p:anim calcmode="lin" valueType="num">
-                                      <p:cBhvr additive="base">
-                                        <p:cTn id="26" dur="500" fill="hold"/>
+                                      <p:cBhvr>
+                                        <p:cTn id="11" dur="136" fill="hold">
+                                          <p:stCondLst>
+                                            <p:cond delay="864"/>
+                                          </p:stCondLst>
+                                        </p:cTn>
                                         <p:tgtEl>
                                           <p:spTgt spid="3">
                                             <p:txEl>
-                                              <p:pRg st="3" end="3"/>
+                                              <p:pRg st="0" end="0"/>
                                             </p:txEl>
                                           </p:spTgt>
                                         </p:tgtEl>
@@ -6999,7 +7388,7 @@
                                       <p:tavLst>
                                         <p:tav tm="0">
                                           <p:val>
-                                            <p:strVal val="1+#ppt_h/2"/>
+                                            <p:strVal val="#ppt_y-(0.354*#ppt_w-0.172*#ppt_h)"/>
                                           </p:val>
                                         </p:tav>
                                         <p:tav tm="100000">
@@ -7040,7 +7429,602 @@
       </p:par>
     </p:tnLst>
     <p:bldLst>
-      <p:bldP spid="2" grpId="0"/>
+      <p:bldP spid="3" grpId="0" build="allAtOnce"/>
+    </p:bldLst>
+  </p:timing>
+</p:sld>
+</file>
+
+<file path=ppt/slides/slide2.xml><?xml version="1.0" encoding="utf-8"?>
+<p:sld xmlns:a="http://schemas.openxmlformats.org/drawingml/2006/main" xmlns:r="http://schemas.openxmlformats.org/officeDocument/2006/relationships" xmlns:p="http://schemas.openxmlformats.org/presentationml/2006/main">
+  <p:cSld>
+    <p:spTree>
+      <p:nvGrpSpPr>
+        <p:cNvPr id="1" name=""/>
+        <p:cNvGrpSpPr/>
+        <p:nvPr/>
+      </p:nvGrpSpPr>
+      <p:grpSpPr>
+        <a:xfrm>
+          <a:off x="0" y="0"/>
+          <a:ext cx="0" cy="0"/>
+          <a:chOff x="0" y="0"/>
+          <a:chExt cx="0" cy="0"/>
+        </a:xfrm>
+      </p:grpSpPr>
+      <p:sp>
+        <p:nvSpPr>
+          <p:cNvPr id="2" name="Title 1">
+            <a:extLst>
+              <a:ext uri="{FF2B5EF4-FFF2-40B4-BE49-F238E27FC236}">
+                <a16:creationId xmlns:a16="http://schemas.microsoft.com/office/drawing/2014/main" id="{72B055AB-DE83-D946-8C77-A2498AA8A084}"/>
+              </a:ext>
+            </a:extLst>
+          </p:cNvPr>
+          <p:cNvSpPr>
+            <a:spLocks noGrp="1"/>
+          </p:cNvSpPr>
+          <p:nvPr>
+            <p:ph type="title"/>
+          </p:nvPr>
+        </p:nvSpPr>
+        <p:spPr/>
+        <p:txBody>
+          <a:bodyPr/>
+          <a:lstStyle/>
+          <a:p>
+            <a:r>
+              <a:rPr lang="en-US" dirty="0"/>
+              <a:t>BACKGROUND</a:t>
+            </a:r>
+          </a:p>
+        </p:txBody>
+      </p:sp>
+      <p:sp>
+        <p:nvSpPr>
+          <p:cNvPr id="3" name="Content Placeholder 2">
+            <a:extLst>
+              <a:ext uri="{FF2B5EF4-FFF2-40B4-BE49-F238E27FC236}">
+                <a16:creationId xmlns:a16="http://schemas.microsoft.com/office/drawing/2014/main" id="{470DE084-8E97-7748-85DA-32040D699313}"/>
+              </a:ext>
+            </a:extLst>
+          </p:cNvPr>
+          <p:cNvSpPr>
+            <a:spLocks noGrp="1"/>
+          </p:cNvSpPr>
+          <p:nvPr>
+            <p:ph idx="1"/>
+          </p:nvPr>
+        </p:nvSpPr>
+        <p:spPr/>
+        <p:txBody>
+          <a:bodyPr/>
+          <a:lstStyle/>
+          <a:p>
+            <a:pPr marL="0" indent="0">
+              <a:buNone/>
+            </a:pPr>
+            <a:r>
+              <a:rPr lang="en-US" dirty="0"/>
+              <a:t>Why did we choose this track?</a:t>
+            </a:r>
+          </a:p>
+          <a:p>
+            <a:pPr marL="0" indent="0">
+              <a:buNone/>
+            </a:pPr>
+            <a:endParaRPr lang="en-US" dirty="0"/>
+          </a:p>
+          <a:p>
+            <a:pPr marL="0" indent="0">
+              <a:buNone/>
+            </a:pPr>
+            <a:r>
+              <a:rPr lang="en-US" dirty="0"/>
+              <a:t>Because mass vaccination for covid is taking place soon</a:t>
+            </a:r>
+          </a:p>
+          <a:p>
+            <a:pPr marL="0" indent="0">
+              <a:buNone/>
+            </a:pPr>
+            <a:r>
+              <a:rPr lang="en-US" dirty="0"/>
+              <a:t>We believe this is very helpful to make schedule when each person get vaccinated</a:t>
+            </a:r>
+          </a:p>
+        </p:txBody>
+      </p:sp>
+    </p:spTree>
+    <p:extLst>
+      <p:ext uri="{BB962C8B-B14F-4D97-AF65-F5344CB8AC3E}">
+        <p14:creationId xmlns:p14="http://schemas.microsoft.com/office/powerpoint/2010/main" val="4227599317"/>
+      </p:ext>
+    </p:extLst>
+  </p:cSld>
+  <p:clrMapOvr>
+    <a:masterClrMapping/>
+  </p:clrMapOvr>
+  <p:transition spd="slow">
+    <p:push dir="u"/>
+  </p:transition>
+  <p:timing>
+    <p:tnLst>
+      <p:par>
+        <p:cTn id="1" dur="indefinite" restart="never" nodeType="tmRoot">
+          <p:childTnLst>
+            <p:seq concurrent="1" nextAc="seek">
+              <p:cTn id="2" dur="indefinite" nodeType="mainSeq">
+                <p:childTnLst>
+                  <p:par>
+                    <p:cTn id="3" fill="hold">
+                      <p:stCondLst>
+                        <p:cond delay="indefinite"/>
+                      </p:stCondLst>
+                      <p:childTnLst>
+                        <p:par>
+                          <p:cTn id="4" fill="hold">
+                            <p:stCondLst>
+                              <p:cond delay="0"/>
+                            </p:stCondLst>
+                            <p:childTnLst>
+                              <p:par>
+                                <p:cTn id="5" presetID="15" presetClass="entr" presetSubtype="0" fill="hold" grpId="1" nodeType="clickEffect">
+                                  <p:stCondLst>
+                                    <p:cond delay="0"/>
+                                  </p:stCondLst>
+                                  <p:childTnLst>
+                                    <p:set>
+                                      <p:cBhvr>
+                                        <p:cTn id="6" dur="1" fill="hold">
+                                          <p:stCondLst>
+                                            <p:cond delay="0"/>
+                                          </p:stCondLst>
+                                        </p:cTn>
+                                        <p:tgtEl>
+                                          <p:spTgt spid="2"/>
+                                        </p:tgtEl>
+                                        <p:attrNameLst>
+                                          <p:attrName>style.visibility</p:attrName>
+                                        </p:attrNameLst>
+                                      </p:cBhvr>
+                                      <p:to>
+                                        <p:strVal val="visible"/>
+                                      </p:to>
+                                    </p:set>
+                                    <p:anim calcmode="lin" valueType="num">
+                                      <p:cBhvr>
+                                        <p:cTn id="7" dur="1000" fill="hold"/>
+                                        <p:tgtEl>
+                                          <p:spTgt spid="2"/>
+                                        </p:tgtEl>
+                                        <p:attrNameLst>
+                                          <p:attrName>ppt_w</p:attrName>
+                                        </p:attrNameLst>
+                                      </p:cBhvr>
+                                      <p:tavLst>
+                                        <p:tav tm="0">
+                                          <p:val>
+                                            <p:fltVal val="0"/>
+                                          </p:val>
+                                        </p:tav>
+                                        <p:tav tm="100000">
+                                          <p:val>
+                                            <p:strVal val="#ppt_w"/>
+                                          </p:val>
+                                        </p:tav>
+                                      </p:tavLst>
+                                    </p:anim>
+                                    <p:anim calcmode="lin" valueType="num">
+                                      <p:cBhvr>
+                                        <p:cTn id="8" dur="1000" fill="hold"/>
+                                        <p:tgtEl>
+                                          <p:spTgt spid="2"/>
+                                        </p:tgtEl>
+                                        <p:attrNameLst>
+                                          <p:attrName>ppt_h</p:attrName>
+                                        </p:attrNameLst>
+                                      </p:cBhvr>
+                                      <p:tavLst>
+                                        <p:tav tm="0">
+                                          <p:val>
+                                            <p:fltVal val="0"/>
+                                          </p:val>
+                                        </p:tav>
+                                        <p:tav tm="100000">
+                                          <p:val>
+                                            <p:strVal val="#ppt_h"/>
+                                          </p:val>
+                                        </p:tav>
+                                      </p:tavLst>
+                                    </p:anim>
+                                    <p:anim calcmode="lin" valueType="num">
+                                      <p:cBhvr>
+                                        <p:cTn id="9" dur="1000" fill="hold"/>
+                                        <p:tgtEl>
+                                          <p:spTgt spid="2"/>
+                                        </p:tgtEl>
+                                        <p:attrNameLst>
+                                          <p:attrName>ppt_x</p:attrName>
+                                        </p:attrNameLst>
+                                      </p:cBhvr>
+                                      <p:tavLst>
+                                        <p:tav tm="0" fmla="#ppt_x+(cos(-2*pi*(1-$))*-#ppt_x-sin(-2*pi*(1-$))*(1-#ppt_y))*(1-$)">
+                                          <p:val>
+                                            <p:fltVal val="0"/>
+                                          </p:val>
+                                        </p:tav>
+                                        <p:tav tm="100000">
+                                          <p:val>
+                                            <p:fltVal val="1"/>
+                                          </p:val>
+                                        </p:tav>
+                                      </p:tavLst>
+                                    </p:anim>
+                                    <p:anim calcmode="lin" valueType="num">
+                                      <p:cBhvr>
+                                        <p:cTn id="10" dur="1000" fill="hold"/>
+                                        <p:tgtEl>
+                                          <p:spTgt spid="2"/>
+                                        </p:tgtEl>
+                                        <p:attrNameLst>
+                                          <p:attrName>ppt_y</p:attrName>
+                                        </p:attrNameLst>
+                                      </p:cBhvr>
+                                      <p:tavLst>
+                                        <p:tav tm="0" fmla="#ppt_y+(sin(-2*pi*(1-$))*-#ppt_x+cos(-2*pi*(1-$))*(1-#ppt_y))*(1-$)">
+                                          <p:val>
+                                            <p:fltVal val="0"/>
+                                          </p:val>
+                                        </p:tav>
+                                        <p:tav tm="100000">
+                                          <p:val>
+                                            <p:fltVal val="1"/>
+                                          </p:val>
+                                        </p:tav>
+                                      </p:tavLst>
+                                    </p:anim>
+                                  </p:childTnLst>
+                                </p:cTn>
+                              </p:par>
+                            </p:childTnLst>
+                          </p:cTn>
+                        </p:par>
+                      </p:childTnLst>
+                    </p:cTn>
+                  </p:par>
+                  <p:par>
+                    <p:cTn id="11" fill="hold">
+                      <p:stCondLst>
+                        <p:cond delay="indefinite"/>
+                      </p:stCondLst>
+                      <p:childTnLst>
+                        <p:par>
+                          <p:cTn id="12" fill="hold">
+                            <p:stCondLst>
+                              <p:cond delay="0"/>
+                            </p:stCondLst>
+                            <p:childTnLst>
+                              <p:par>
+                                <p:cTn id="13" presetID="2" presetClass="entr" presetSubtype="4" fill="hold" grpId="0" nodeType="clickEffect">
+                                  <p:stCondLst>
+                                    <p:cond delay="0"/>
+                                  </p:stCondLst>
+                                  <p:childTnLst>
+                                    <p:set>
+                                      <p:cBhvr>
+                                        <p:cTn id="14" dur="1" fill="hold">
+                                          <p:stCondLst>
+                                            <p:cond delay="0"/>
+                                          </p:stCondLst>
+                                        </p:cTn>
+                                        <p:tgtEl>
+                                          <p:spTgt spid="3">
+                                            <p:txEl>
+                                              <p:pRg st="0" end="0"/>
+                                            </p:txEl>
+                                          </p:spTgt>
+                                        </p:tgtEl>
+                                        <p:attrNameLst>
+                                          <p:attrName>style.visibility</p:attrName>
+                                        </p:attrNameLst>
+                                      </p:cBhvr>
+                                      <p:to>
+                                        <p:strVal val="visible"/>
+                                      </p:to>
+                                    </p:set>
+                                    <p:anim calcmode="lin" valueType="num">
+                                      <p:cBhvr additive="base">
+                                        <p:cTn id="15" dur="500" fill="hold"/>
+                                        <p:tgtEl>
+                                          <p:spTgt spid="3">
+                                            <p:txEl>
+                                              <p:pRg st="0" end="0"/>
+                                            </p:txEl>
+                                          </p:spTgt>
+                                        </p:tgtEl>
+                                        <p:attrNameLst>
+                                          <p:attrName>ppt_x</p:attrName>
+                                        </p:attrNameLst>
+                                      </p:cBhvr>
+                                      <p:tavLst>
+                                        <p:tav tm="0">
+                                          <p:val>
+                                            <p:strVal val="#ppt_x"/>
+                                          </p:val>
+                                        </p:tav>
+                                        <p:tav tm="100000">
+                                          <p:val>
+                                            <p:strVal val="#ppt_x"/>
+                                          </p:val>
+                                        </p:tav>
+                                      </p:tavLst>
+                                    </p:anim>
+                                    <p:anim calcmode="lin" valueType="num">
+                                      <p:cBhvr additive="base">
+                                        <p:cTn id="16" dur="500" fill="hold"/>
+                                        <p:tgtEl>
+                                          <p:spTgt spid="3">
+                                            <p:txEl>
+                                              <p:pRg st="0" end="0"/>
+                                            </p:txEl>
+                                          </p:spTgt>
+                                        </p:tgtEl>
+                                        <p:attrNameLst>
+                                          <p:attrName>ppt_y</p:attrName>
+                                        </p:attrNameLst>
+                                      </p:cBhvr>
+                                      <p:tavLst>
+                                        <p:tav tm="0">
+                                          <p:val>
+                                            <p:strVal val="1+#ppt_h/2"/>
+                                          </p:val>
+                                        </p:tav>
+                                        <p:tav tm="100000">
+                                          <p:val>
+                                            <p:strVal val="#ppt_y"/>
+                                          </p:val>
+                                        </p:tav>
+                                      </p:tavLst>
+                                    </p:anim>
+                                  </p:childTnLst>
+                                </p:cTn>
+                              </p:par>
+                            </p:childTnLst>
+                          </p:cTn>
+                        </p:par>
+                      </p:childTnLst>
+                    </p:cTn>
+                  </p:par>
+                  <p:par>
+                    <p:cTn id="17" fill="hold">
+                      <p:stCondLst>
+                        <p:cond delay="indefinite"/>
+                      </p:stCondLst>
+                      <p:childTnLst>
+                        <p:par>
+                          <p:cTn id="18" fill="hold">
+                            <p:stCondLst>
+                              <p:cond delay="0"/>
+                            </p:stCondLst>
+                            <p:childTnLst>
+                              <p:par>
+                                <p:cTn id="19" presetID="2" presetClass="entr" presetSubtype="4" fill="hold" grpId="0" nodeType="clickEffect">
+                                  <p:stCondLst>
+                                    <p:cond delay="0"/>
+                                  </p:stCondLst>
+                                  <p:childTnLst>
+                                    <p:set>
+                                      <p:cBhvr>
+                                        <p:cTn id="20" dur="1" fill="hold">
+                                          <p:stCondLst>
+                                            <p:cond delay="0"/>
+                                          </p:stCondLst>
+                                        </p:cTn>
+                                        <p:tgtEl>
+                                          <p:spTgt spid="3">
+                                            <p:txEl>
+                                              <p:pRg st="2" end="2"/>
+                                            </p:txEl>
+                                          </p:spTgt>
+                                        </p:tgtEl>
+                                        <p:attrNameLst>
+                                          <p:attrName>style.visibility</p:attrName>
+                                        </p:attrNameLst>
+                                      </p:cBhvr>
+                                      <p:to>
+                                        <p:strVal val="visible"/>
+                                      </p:to>
+                                    </p:set>
+                                    <p:anim calcmode="lin" valueType="num">
+                                      <p:cBhvr additive="base">
+                                        <p:cTn id="21" dur="500" fill="hold"/>
+                                        <p:tgtEl>
+                                          <p:spTgt spid="3">
+                                            <p:txEl>
+                                              <p:pRg st="2" end="2"/>
+                                            </p:txEl>
+                                          </p:spTgt>
+                                        </p:tgtEl>
+                                        <p:attrNameLst>
+                                          <p:attrName>ppt_x</p:attrName>
+                                        </p:attrNameLst>
+                                      </p:cBhvr>
+                                      <p:tavLst>
+                                        <p:tav tm="0">
+                                          <p:val>
+                                            <p:strVal val="#ppt_x"/>
+                                          </p:val>
+                                        </p:tav>
+                                        <p:tav tm="100000">
+                                          <p:val>
+                                            <p:strVal val="#ppt_x"/>
+                                          </p:val>
+                                        </p:tav>
+                                      </p:tavLst>
+                                    </p:anim>
+                                    <p:anim calcmode="lin" valueType="num">
+                                      <p:cBhvr additive="base">
+                                        <p:cTn id="22" dur="500" fill="hold"/>
+                                        <p:tgtEl>
+                                          <p:spTgt spid="3">
+                                            <p:txEl>
+                                              <p:pRg st="2" end="2"/>
+                                            </p:txEl>
+                                          </p:spTgt>
+                                        </p:tgtEl>
+                                        <p:attrNameLst>
+                                          <p:attrName>ppt_y</p:attrName>
+                                        </p:attrNameLst>
+                                      </p:cBhvr>
+                                      <p:tavLst>
+                                        <p:tav tm="0">
+                                          <p:val>
+                                            <p:strVal val="1+#ppt_h/2"/>
+                                          </p:val>
+                                        </p:tav>
+                                        <p:tav tm="100000">
+                                          <p:val>
+                                            <p:strVal val="#ppt_y"/>
+                                          </p:val>
+                                        </p:tav>
+                                      </p:tavLst>
+                                    </p:anim>
+                                  </p:childTnLst>
+                                </p:cTn>
+                              </p:par>
+                            </p:childTnLst>
+                          </p:cTn>
+                        </p:par>
+                      </p:childTnLst>
+                    </p:cTn>
+                  </p:par>
+                  <p:par>
+                    <p:cTn id="23" fill="hold">
+                      <p:stCondLst>
+                        <p:cond delay="indefinite"/>
+                      </p:stCondLst>
+                      <p:childTnLst>
+                        <p:par>
+                          <p:cTn id="24" fill="hold">
+                            <p:stCondLst>
+                              <p:cond delay="0"/>
+                            </p:stCondLst>
+                            <p:childTnLst>
+                              <p:par>
+                                <p:cTn id="25" presetID="2" presetClass="entr" presetSubtype="4" fill="hold" grpId="0" nodeType="clickEffect">
+                                  <p:stCondLst>
+                                    <p:cond delay="0"/>
+                                  </p:stCondLst>
+                                  <p:childTnLst>
+                                    <p:set>
+                                      <p:cBhvr>
+                                        <p:cTn id="26" dur="1" fill="hold">
+                                          <p:stCondLst>
+                                            <p:cond delay="0"/>
+                                          </p:stCondLst>
+                                        </p:cTn>
+                                        <p:tgtEl>
+                                          <p:spTgt spid="3">
+                                            <p:txEl>
+                                              <p:pRg st="3" end="3"/>
+                                            </p:txEl>
+                                          </p:spTgt>
+                                        </p:tgtEl>
+                                        <p:attrNameLst>
+                                          <p:attrName>style.visibility</p:attrName>
+                                        </p:attrNameLst>
+                                      </p:cBhvr>
+                                      <p:to>
+                                        <p:strVal val="visible"/>
+                                      </p:to>
+                                    </p:set>
+                                    <p:anim calcmode="lin" valueType="num">
+                                      <p:cBhvr additive="base">
+                                        <p:cTn id="27" dur="500" fill="hold"/>
+                                        <p:tgtEl>
+                                          <p:spTgt spid="3">
+                                            <p:txEl>
+                                              <p:pRg st="3" end="3"/>
+                                            </p:txEl>
+                                          </p:spTgt>
+                                        </p:tgtEl>
+                                        <p:attrNameLst>
+                                          <p:attrName>ppt_x</p:attrName>
+                                        </p:attrNameLst>
+                                      </p:cBhvr>
+                                      <p:tavLst>
+                                        <p:tav tm="0">
+                                          <p:val>
+                                            <p:strVal val="#ppt_x"/>
+                                          </p:val>
+                                        </p:tav>
+                                        <p:tav tm="100000">
+                                          <p:val>
+                                            <p:strVal val="#ppt_x"/>
+                                          </p:val>
+                                        </p:tav>
+                                      </p:tavLst>
+                                    </p:anim>
+                                    <p:anim calcmode="lin" valueType="num">
+                                      <p:cBhvr additive="base">
+                                        <p:cTn id="28" dur="500" fill="hold"/>
+                                        <p:tgtEl>
+                                          <p:spTgt spid="3">
+                                            <p:txEl>
+                                              <p:pRg st="3" end="3"/>
+                                            </p:txEl>
+                                          </p:spTgt>
+                                        </p:tgtEl>
+                                        <p:attrNameLst>
+                                          <p:attrName>ppt_y</p:attrName>
+                                        </p:attrNameLst>
+                                      </p:cBhvr>
+                                      <p:tavLst>
+                                        <p:tav tm="0">
+                                          <p:val>
+                                            <p:strVal val="1+#ppt_h/2"/>
+                                          </p:val>
+                                        </p:tav>
+                                        <p:tav tm="100000">
+                                          <p:val>
+                                            <p:strVal val="#ppt_y"/>
+                                          </p:val>
+                                        </p:tav>
+                                      </p:tavLst>
+                                    </p:anim>
+                                  </p:childTnLst>
+                                </p:cTn>
+                              </p:par>
+                            </p:childTnLst>
+                          </p:cTn>
+                        </p:par>
+                      </p:childTnLst>
+                    </p:cTn>
+                  </p:par>
+                </p:childTnLst>
+              </p:cTn>
+              <p:prevCondLst>
+                <p:cond evt="onPrev" delay="0">
+                  <p:tgtEl>
+                    <p:sldTgt/>
+                  </p:tgtEl>
+                </p:cond>
+              </p:prevCondLst>
+              <p:nextCondLst>
+                <p:cond evt="onNext" delay="0">
+                  <p:tgtEl>
+                    <p:sldTgt/>
+                  </p:tgtEl>
+                </p:cond>
+              </p:nextCondLst>
+            </p:seq>
+          </p:childTnLst>
+        </p:cTn>
+      </p:par>
+    </p:tnLst>
+    <p:bldLst>
+      <p:bldP spid="2" grpId="1"/>
       <p:bldP spid="3" grpId="0" build="p"/>
     </p:bldLst>
   </p:timing>
@@ -7195,6 +8179,519 @@
   <p:clrMapOvr>
     <a:masterClrMapping/>
   </p:clrMapOvr>
+  <p:transition spd="slow">
+    <p:push dir="u"/>
+  </p:transition>
+  <p:timing>
+    <p:tnLst>
+      <p:par>
+        <p:cTn id="1" dur="indefinite" restart="never" nodeType="tmRoot">
+          <p:childTnLst>
+            <p:seq concurrent="1" nextAc="seek">
+              <p:cTn id="2" dur="indefinite" nodeType="mainSeq">
+                <p:childTnLst>
+                  <p:par>
+                    <p:cTn id="3" fill="hold">
+                      <p:stCondLst>
+                        <p:cond delay="indefinite"/>
+                      </p:stCondLst>
+                      <p:childTnLst>
+                        <p:par>
+                          <p:cTn id="4" fill="hold">
+                            <p:stCondLst>
+                              <p:cond delay="0"/>
+                            </p:stCondLst>
+                            <p:childTnLst>
+                              <p:par>
+                                <p:cTn id="5" presetID="56" presetClass="entr" presetSubtype="0" fill="hold" grpId="1" nodeType="clickEffect">
+                                  <p:stCondLst>
+                                    <p:cond delay="0"/>
+                                  </p:stCondLst>
+                                  <p:iterate type="lt">
+                                    <p:tmPct val="10000"/>
+                                  </p:iterate>
+                                  <p:childTnLst>
+                                    <p:set>
+                                      <p:cBhvr>
+                                        <p:cTn id="6" dur="1" fill="hold">
+                                          <p:stCondLst>
+                                            <p:cond delay="0"/>
+                                          </p:stCondLst>
+                                        </p:cTn>
+                                        <p:tgtEl>
+                                          <p:spTgt spid="2"/>
+                                        </p:tgtEl>
+                                        <p:attrNameLst>
+                                          <p:attrName>style.visibility</p:attrName>
+                                        </p:attrNameLst>
+                                      </p:cBhvr>
+                                      <p:to>
+                                        <p:strVal val="visible"/>
+                                      </p:to>
+                                    </p:set>
+                                    <p:anim by="(-#ppt_w*2)" calcmode="lin" valueType="num">
+                                      <p:cBhvr rctx="PPT">
+                                        <p:cTn id="7" dur="500" autoRev="1" fill="hold">
+                                          <p:stCondLst>
+                                            <p:cond delay="0"/>
+                                          </p:stCondLst>
+                                        </p:cTn>
+                                        <p:tgtEl>
+                                          <p:spTgt spid="2"/>
+                                        </p:tgtEl>
+                                        <p:attrNameLst>
+                                          <p:attrName>ppt_w</p:attrName>
+                                        </p:attrNameLst>
+                                      </p:cBhvr>
+                                    </p:anim>
+                                    <p:anim by="(#ppt_w*0.50)" calcmode="lin" valueType="num">
+                                      <p:cBhvr>
+                                        <p:cTn id="8" dur="500" decel="50000" autoRev="1" fill="hold">
+                                          <p:stCondLst>
+                                            <p:cond delay="0"/>
+                                          </p:stCondLst>
+                                        </p:cTn>
+                                        <p:tgtEl>
+                                          <p:spTgt spid="2"/>
+                                        </p:tgtEl>
+                                        <p:attrNameLst>
+                                          <p:attrName>ppt_x</p:attrName>
+                                        </p:attrNameLst>
+                                      </p:cBhvr>
+                                    </p:anim>
+                                    <p:anim from="(-#ppt_h/2)" to="(#ppt_y)" calcmode="lin" valueType="num">
+                                      <p:cBhvr>
+                                        <p:cTn id="9" dur="1000" fill="hold">
+                                          <p:stCondLst>
+                                            <p:cond delay="0"/>
+                                          </p:stCondLst>
+                                        </p:cTn>
+                                        <p:tgtEl>
+                                          <p:spTgt spid="2"/>
+                                        </p:tgtEl>
+                                        <p:attrNameLst>
+                                          <p:attrName>ppt_y</p:attrName>
+                                        </p:attrNameLst>
+                                      </p:cBhvr>
+                                    </p:anim>
+                                    <p:animRot by="21600000">
+                                      <p:cBhvr>
+                                        <p:cTn id="10" dur="1000" fill="hold">
+                                          <p:stCondLst>
+                                            <p:cond delay="0"/>
+                                          </p:stCondLst>
+                                        </p:cTn>
+                                        <p:tgtEl>
+                                          <p:spTgt spid="2"/>
+                                        </p:tgtEl>
+                                        <p:attrNameLst>
+                                          <p:attrName>r</p:attrName>
+                                        </p:attrNameLst>
+                                      </p:cBhvr>
+                                    </p:animRot>
+                                  </p:childTnLst>
+                                </p:cTn>
+                              </p:par>
+                            </p:childTnLst>
+                          </p:cTn>
+                        </p:par>
+                      </p:childTnLst>
+                    </p:cTn>
+                  </p:par>
+                  <p:par>
+                    <p:cTn id="11" fill="hold">
+                      <p:stCondLst>
+                        <p:cond delay="indefinite"/>
+                      </p:stCondLst>
+                      <p:childTnLst>
+                        <p:par>
+                          <p:cTn id="12" fill="hold">
+                            <p:stCondLst>
+                              <p:cond delay="0"/>
+                            </p:stCondLst>
+                            <p:childTnLst>
+                              <p:par>
+                                <p:cTn id="13" presetID="30" presetClass="entr" presetSubtype="0" fill="hold" grpId="0" nodeType="clickEffect">
+                                  <p:stCondLst>
+                                    <p:cond delay="0"/>
+                                  </p:stCondLst>
+                                  <p:childTnLst>
+                                    <p:set>
+                                      <p:cBhvr>
+                                        <p:cTn id="14" dur="1" fill="hold">
+                                          <p:stCondLst>
+                                            <p:cond delay="0"/>
+                                          </p:stCondLst>
+                                        </p:cTn>
+                                        <p:tgtEl>
+                                          <p:spTgt spid="3">
+                                            <p:txEl>
+                                              <p:pRg st="0" end="0"/>
+                                            </p:txEl>
+                                          </p:spTgt>
+                                        </p:tgtEl>
+                                        <p:attrNameLst>
+                                          <p:attrName>style.visibility</p:attrName>
+                                        </p:attrNameLst>
+                                      </p:cBhvr>
+                                      <p:to>
+                                        <p:strVal val="visible"/>
+                                      </p:to>
+                                    </p:set>
+                                    <p:animEffect transition="in" filter="fade">
+                                      <p:cBhvr>
+                                        <p:cTn id="15" dur="800" decel="100000"/>
+                                        <p:tgtEl>
+                                          <p:spTgt spid="3">
+                                            <p:txEl>
+                                              <p:pRg st="0" end="0"/>
+                                            </p:txEl>
+                                          </p:spTgt>
+                                        </p:tgtEl>
+                                      </p:cBhvr>
+                                    </p:animEffect>
+                                    <p:anim calcmode="lin" valueType="num">
+                                      <p:cBhvr>
+                                        <p:cTn id="16" dur="800" decel="100000" fill="hold"/>
+                                        <p:tgtEl>
+                                          <p:spTgt spid="3">
+                                            <p:txEl>
+                                              <p:pRg st="0" end="0"/>
+                                            </p:txEl>
+                                          </p:spTgt>
+                                        </p:tgtEl>
+                                        <p:attrNameLst>
+                                          <p:attrName>style.rotation</p:attrName>
+                                        </p:attrNameLst>
+                                      </p:cBhvr>
+                                      <p:tavLst>
+                                        <p:tav tm="0">
+                                          <p:val>
+                                            <p:fltVal val="-90"/>
+                                          </p:val>
+                                        </p:tav>
+                                        <p:tav tm="100000">
+                                          <p:val>
+                                            <p:fltVal val="0"/>
+                                          </p:val>
+                                        </p:tav>
+                                      </p:tavLst>
+                                    </p:anim>
+                                    <p:anim calcmode="lin" valueType="num">
+                                      <p:cBhvr>
+                                        <p:cTn id="17" dur="800" decel="100000" fill="hold"/>
+                                        <p:tgtEl>
+                                          <p:spTgt spid="3">
+                                            <p:txEl>
+                                              <p:pRg st="0" end="0"/>
+                                            </p:txEl>
+                                          </p:spTgt>
+                                        </p:tgtEl>
+                                        <p:attrNameLst>
+                                          <p:attrName>ppt_x</p:attrName>
+                                        </p:attrNameLst>
+                                      </p:cBhvr>
+                                      <p:tavLst>
+                                        <p:tav tm="0">
+                                          <p:val>
+                                            <p:strVal val="#ppt_x+0.4"/>
+                                          </p:val>
+                                        </p:tav>
+                                        <p:tav tm="100000">
+                                          <p:val>
+                                            <p:strVal val="#ppt_x-0.05"/>
+                                          </p:val>
+                                        </p:tav>
+                                      </p:tavLst>
+                                    </p:anim>
+                                    <p:anim calcmode="lin" valueType="num">
+                                      <p:cBhvr>
+                                        <p:cTn id="18" dur="800" decel="100000" fill="hold"/>
+                                        <p:tgtEl>
+                                          <p:spTgt spid="3">
+                                            <p:txEl>
+                                              <p:pRg st="0" end="0"/>
+                                            </p:txEl>
+                                          </p:spTgt>
+                                        </p:tgtEl>
+                                        <p:attrNameLst>
+                                          <p:attrName>ppt_y</p:attrName>
+                                        </p:attrNameLst>
+                                      </p:cBhvr>
+                                      <p:tavLst>
+                                        <p:tav tm="0">
+                                          <p:val>
+                                            <p:strVal val="#ppt_y-0.4"/>
+                                          </p:val>
+                                        </p:tav>
+                                        <p:tav tm="100000">
+                                          <p:val>
+                                            <p:strVal val="#ppt_y+0.1"/>
+                                          </p:val>
+                                        </p:tav>
+                                      </p:tavLst>
+                                    </p:anim>
+                                    <p:anim calcmode="lin" valueType="num">
+                                      <p:cBhvr>
+                                        <p:cTn id="19" dur="200" accel="100000" fill="hold">
+                                          <p:stCondLst>
+                                            <p:cond delay="800"/>
+                                          </p:stCondLst>
+                                        </p:cTn>
+                                        <p:tgtEl>
+                                          <p:spTgt spid="3">
+                                            <p:txEl>
+                                              <p:pRg st="0" end="0"/>
+                                            </p:txEl>
+                                          </p:spTgt>
+                                        </p:tgtEl>
+                                        <p:attrNameLst>
+                                          <p:attrName>ppt_x</p:attrName>
+                                        </p:attrNameLst>
+                                      </p:cBhvr>
+                                      <p:tavLst>
+                                        <p:tav tm="0">
+                                          <p:val>
+                                            <p:strVal val="#ppt_x-0.05"/>
+                                          </p:val>
+                                        </p:tav>
+                                        <p:tav tm="100000">
+                                          <p:val>
+                                            <p:strVal val="#ppt_x"/>
+                                          </p:val>
+                                        </p:tav>
+                                      </p:tavLst>
+                                    </p:anim>
+                                    <p:anim calcmode="lin" valueType="num">
+                                      <p:cBhvr>
+                                        <p:cTn id="20" dur="200" accel="100000" fill="hold">
+                                          <p:stCondLst>
+                                            <p:cond delay="800"/>
+                                          </p:stCondLst>
+                                        </p:cTn>
+                                        <p:tgtEl>
+                                          <p:spTgt spid="3">
+                                            <p:txEl>
+                                              <p:pRg st="0" end="0"/>
+                                            </p:txEl>
+                                          </p:spTgt>
+                                        </p:tgtEl>
+                                        <p:attrNameLst>
+                                          <p:attrName>ppt_y</p:attrName>
+                                        </p:attrNameLst>
+                                      </p:cBhvr>
+                                      <p:tavLst>
+                                        <p:tav tm="0">
+                                          <p:val>
+                                            <p:strVal val="#ppt_y+0.1"/>
+                                          </p:val>
+                                        </p:tav>
+                                        <p:tav tm="100000">
+                                          <p:val>
+                                            <p:strVal val="#ppt_y"/>
+                                          </p:val>
+                                        </p:tav>
+                                      </p:tavLst>
+                                    </p:anim>
+                                  </p:childTnLst>
+                                </p:cTn>
+                              </p:par>
+                            </p:childTnLst>
+                          </p:cTn>
+                        </p:par>
+                      </p:childTnLst>
+                    </p:cTn>
+                  </p:par>
+                  <p:par>
+                    <p:cTn id="21" fill="hold">
+                      <p:stCondLst>
+                        <p:cond delay="indefinite"/>
+                      </p:stCondLst>
+                      <p:childTnLst>
+                        <p:par>
+                          <p:cTn id="22" fill="hold">
+                            <p:stCondLst>
+                              <p:cond delay="0"/>
+                            </p:stCondLst>
+                            <p:childTnLst>
+                              <p:par>
+                                <p:cTn id="23" presetID="2" presetClass="entr" presetSubtype="4" fill="hold" nodeType="clickEffect">
+                                  <p:stCondLst>
+                                    <p:cond delay="0"/>
+                                  </p:stCondLst>
+                                  <p:childTnLst>
+                                    <p:set>
+                                      <p:cBhvr>
+                                        <p:cTn id="24" dur="1" fill="hold">
+                                          <p:stCondLst>
+                                            <p:cond delay="0"/>
+                                          </p:stCondLst>
+                                        </p:cTn>
+                                        <p:tgtEl>
+                                          <p:spTgt spid="5"/>
+                                        </p:tgtEl>
+                                        <p:attrNameLst>
+                                          <p:attrName>style.visibility</p:attrName>
+                                        </p:attrNameLst>
+                                      </p:cBhvr>
+                                      <p:to>
+                                        <p:strVal val="visible"/>
+                                      </p:to>
+                                    </p:set>
+                                    <p:anim calcmode="lin" valueType="num">
+                                      <p:cBhvr additive="base">
+                                        <p:cTn id="25" dur="500" fill="hold"/>
+                                        <p:tgtEl>
+                                          <p:spTgt spid="5"/>
+                                        </p:tgtEl>
+                                        <p:attrNameLst>
+                                          <p:attrName>ppt_x</p:attrName>
+                                        </p:attrNameLst>
+                                      </p:cBhvr>
+                                      <p:tavLst>
+                                        <p:tav tm="0">
+                                          <p:val>
+                                            <p:strVal val="#ppt_x"/>
+                                          </p:val>
+                                        </p:tav>
+                                        <p:tav tm="100000">
+                                          <p:val>
+                                            <p:strVal val="#ppt_x"/>
+                                          </p:val>
+                                        </p:tav>
+                                      </p:tavLst>
+                                    </p:anim>
+                                    <p:anim calcmode="lin" valueType="num">
+                                      <p:cBhvr additive="base">
+                                        <p:cTn id="26" dur="500" fill="hold"/>
+                                        <p:tgtEl>
+                                          <p:spTgt spid="5"/>
+                                        </p:tgtEl>
+                                        <p:attrNameLst>
+                                          <p:attrName>ppt_y</p:attrName>
+                                        </p:attrNameLst>
+                                      </p:cBhvr>
+                                      <p:tavLst>
+                                        <p:tav tm="0">
+                                          <p:val>
+                                            <p:strVal val="1+#ppt_h/2"/>
+                                          </p:val>
+                                        </p:tav>
+                                        <p:tav tm="100000">
+                                          <p:val>
+                                            <p:strVal val="#ppt_y"/>
+                                          </p:val>
+                                        </p:tav>
+                                      </p:tavLst>
+                                    </p:anim>
+                                  </p:childTnLst>
+                                </p:cTn>
+                              </p:par>
+                              <p:par>
+                                <p:cTn id="27" presetID="2" presetClass="entr" presetSubtype="4" fill="hold" nodeType="withEffect">
+                                  <p:stCondLst>
+                                    <p:cond delay="0"/>
+                                  </p:stCondLst>
+                                  <p:childTnLst>
+                                    <p:set>
+                                      <p:cBhvr>
+                                        <p:cTn id="28" dur="1" fill="hold">
+                                          <p:stCondLst>
+                                            <p:cond delay="0"/>
+                                          </p:stCondLst>
+                                        </p:cTn>
+                                        <p:tgtEl>
+                                          <p:spTgt spid="7"/>
+                                        </p:tgtEl>
+                                        <p:attrNameLst>
+                                          <p:attrName>style.visibility</p:attrName>
+                                        </p:attrNameLst>
+                                      </p:cBhvr>
+                                      <p:to>
+                                        <p:strVal val="visible"/>
+                                      </p:to>
+                                    </p:set>
+                                    <p:anim calcmode="lin" valueType="num">
+                                      <p:cBhvr additive="base">
+                                        <p:cTn id="29" dur="500" fill="hold"/>
+                                        <p:tgtEl>
+                                          <p:spTgt spid="7"/>
+                                        </p:tgtEl>
+                                        <p:attrNameLst>
+                                          <p:attrName>ppt_x</p:attrName>
+                                        </p:attrNameLst>
+                                      </p:cBhvr>
+                                      <p:tavLst>
+                                        <p:tav tm="0">
+                                          <p:val>
+                                            <p:strVal val="#ppt_x"/>
+                                          </p:val>
+                                        </p:tav>
+                                        <p:tav tm="100000">
+                                          <p:val>
+                                            <p:strVal val="#ppt_x"/>
+                                          </p:val>
+                                        </p:tav>
+                                      </p:tavLst>
+                                    </p:anim>
+                                    <p:anim calcmode="lin" valueType="num">
+                                      <p:cBhvr additive="base">
+                                        <p:cTn id="30" dur="500" fill="hold"/>
+                                        <p:tgtEl>
+                                          <p:spTgt spid="7"/>
+                                        </p:tgtEl>
+                                        <p:attrNameLst>
+                                          <p:attrName>ppt_y</p:attrName>
+                                        </p:attrNameLst>
+                                      </p:cBhvr>
+                                      <p:tavLst>
+                                        <p:tav tm="0">
+                                          <p:val>
+                                            <p:strVal val="1+#ppt_h/2"/>
+                                          </p:val>
+                                        </p:tav>
+                                        <p:tav tm="100000">
+                                          <p:val>
+                                            <p:strVal val="#ppt_y"/>
+                                          </p:val>
+                                        </p:tav>
+                                      </p:tavLst>
+                                    </p:anim>
+                                  </p:childTnLst>
+                                </p:cTn>
+                              </p:par>
+                            </p:childTnLst>
+                          </p:cTn>
+                        </p:par>
+                      </p:childTnLst>
+                    </p:cTn>
+                  </p:par>
+                </p:childTnLst>
+              </p:cTn>
+              <p:prevCondLst>
+                <p:cond evt="onPrev" delay="0">
+                  <p:tgtEl>
+                    <p:sldTgt/>
+                  </p:tgtEl>
+                </p:cond>
+              </p:prevCondLst>
+              <p:nextCondLst>
+                <p:cond evt="onNext" delay="0">
+                  <p:tgtEl>
+                    <p:sldTgt/>
+                  </p:tgtEl>
+                </p:cond>
+              </p:nextCondLst>
+            </p:seq>
+          </p:childTnLst>
+        </p:cTn>
+      </p:par>
+    </p:tnLst>
+    <p:bldLst>
+      <p:bldP spid="2" grpId="1"/>
+      <p:bldP spid="3" grpId="0" build="p"/>
+    </p:bldLst>
+  </p:timing>
 </p:sld>
 </file>
 
@@ -7294,6 +8791,279 @@
   <p:clrMapOvr>
     <a:masterClrMapping/>
   </p:clrMapOvr>
+  <p:transition spd="slow">
+    <p:push dir="u"/>
+  </p:transition>
+  <p:timing>
+    <p:tnLst>
+      <p:par>
+        <p:cTn id="1" dur="indefinite" restart="never" nodeType="tmRoot">
+          <p:childTnLst>
+            <p:seq concurrent="1" nextAc="seek">
+              <p:cTn id="2" dur="indefinite" nodeType="mainSeq">
+                <p:childTnLst>
+                  <p:par>
+                    <p:cTn id="3" fill="hold">
+                      <p:stCondLst>
+                        <p:cond delay="indefinite"/>
+                      </p:stCondLst>
+                      <p:childTnLst>
+                        <p:par>
+                          <p:cTn id="4" fill="hold">
+                            <p:stCondLst>
+                              <p:cond delay="0"/>
+                            </p:stCondLst>
+                            <p:childTnLst>
+                              <p:par>
+                                <p:cTn id="5" presetID="53" presetClass="entr" presetSubtype="16" fill="hold" grpId="0" nodeType="clickEffect">
+                                  <p:stCondLst>
+                                    <p:cond delay="0"/>
+                                  </p:stCondLst>
+                                  <p:childTnLst>
+                                    <p:set>
+                                      <p:cBhvr>
+                                        <p:cTn id="6" dur="1" fill="hold">
+                                          <p:stCondLst>
+                                            <p:cond delay="0"/>
+                                          </p:stCondLst>
+                                        </p:cTn>
+                                        <p:tgtEl>
+                                          <p:spTgt spid="3">
+                                            <p:txEl>
+                                              <p:pRg st="0" end="0"/>
+                                            </p:txEl>
+                                          </p:spTgt>
+                                        </p:tgtEl>
+                                        <p:attrNameLst>
+                                          <p:attrName>style.visibility</p:attrName>
+                                        </p:attrNameLst>
+                                      </p:cBhvr>
+                                      <p:to>
+                                        <p:strVal val="visible"/>
+                                      </p:to>
+                                    </p:set>
+                                    <p:anim calcmode="lin" valueType="num">
+                                      <p:cBhvr>
+                                        <p:cTn id="7" dur="500" fill="hold"/>
+                                        <p:tgtEl>
+                                          <p:spTgt spid="3">
+                                            <p:txEl>
+                                              <p:pRg st="0" end="0"/>
+                                            </p:txEl>
+                                          </p:spTgt>
+                                        </p:tgtEl>
+                                        <p:attrNameLst>
+                                          <p:attrName>ppt_w</p:attrName>
+                                        </p:attrNameLst>
+                                      </p:cBhvr>
+                                      <p:tavLst>
+                                        <p:tav tm="0">
+                                          <p:val>
+                                            <p:fltVal val="0"/>
+                                          </p:val>
+                                        </p:tav>
+                                        <p:tav tm="100000">
+                                          <p:val>
+                                            <p:strVal val="#ppt_w"/>
+                                          </p:val>
+                                        </p:tav>
+                                      </p:tavLst>
+                                    </p:anim>
+                                    <p:anim calcmode="lin" valueType="num">
+                                      <p:cBhvr>
+                                        <p:cTn id="8" dur="500" fill="hold"/>
+                                        <p:tgtEl>
+                                          <p:spTgt spid="3">
+                                            <p:txEl>
+                                              <p:pRg st="0" end="0"/>
+                                            </p:txEl>
+                                          </p:spTgt>
+                                        </p:tgtEl>
+                                        <p:attrNameLst>
+                                          <p:attrName>ppt_h</p:attrName>
+                                        </p:attrNameLst>
+                                      </p:cBhvr>
+                                      <p:tavLst>
+                                        <p:tav tm="0">
+                                          <p:val>
+                                            <p:fltVal val="0"/>
+                                          </p:val>
+                                        </p:tav>
+                                        <p:tav tm="100000">
+                                          <p:val>
+                                            <p:strVal val="#ppt_h"/>
+                                          </p:val>
+                                        </p:tav>
+                                      </p:tavLst>
+                                    </p:anim>
+                                    <p:animEffect transition="in" filter="fade">
+                                      <p:cBhvr>
+                                        <p:cTn id="9" dur="500"/>
+                                        <p:tgtEl>
+                                          <p:spTgt spid="3">
+                                            <p:txEl>
+                                              <p:pRg st="0" end="0"/>
+                                            </p:txEl>
+                                          </p:spTgt>
+                                        </p:tgtEl>
+                                      </p:cBhvr>
+                                    </p:animEffect>
+                                  </p:childTnLst>
+                                </p:cTn>
+                              </p:par>
+                            </p:childTnLst>
+                          </p:cTn>
+                        </p:par>
+                      </p:childTnLst>
+                    </p:cTn>
+                  </p:par>
+                  <p:par>
+                    <p:cTn id="10" fill="hold">
+                      <p:stCondLst>
+                        <p:cond delay="indefinite"/>
+                      </p:stCondLst>
+                      <p:childTnLst>
+                        <p:par>
+                          <p:cTn id="11" fill="hold">
+                            <p:stCondLst>
+                              <p:cond delay="0"/>
+                            </p:stCondLst>
+                            <p:childTnLst>
+                              <p:par>
+                                <p:cTn id="12" presetID="31" presetClass="entr" presetSubtype="0" fill="hold" nodeType="clickEffect">
+                                  <p:stCondLst>
+                                    <p:cond delay="0"/>
+                                  </p:stCondLst>
+                                  <p:childTnLst>
+                                    <p:set>
+                                      <p:cBhvr>
+                                        <p:cTn id="13" dur="1" fill="hold">
+                                          <p:stCondLst>
+                                            <p:cond delay="0"/>
+                                          </p:stCondLst>
+                                        </p:cTn>
+                                        <p:tgtEl>
+                                          <p:spTgt spid="5"/>
+                                        </p:tgtEl>
+                                        <p:attrNameLst>
+                                          <p:attrName>style.visibility</p:attrName>
+                                        </p:attrNameLst>
+                                      </p:cBhvr>
+                                      <p:to>
+                                        <p:strVal val="visible"/>
+                                      </p:to>
+                                    </p:set>
+                                    <p:anim calcmode="lin" valueType="num">
+                                      <p:cBhvr>
+                                        <p:cTn id="14" dur="1000" fill="hold"/>
+                                        <p:tgtEl>
+                                          <p:spTgt spid="5"/>
+                                        </p:tgtEl>
+                                        <p:attrNameLst>
+                                          <p:attrName>ppt_w</p:attrName>
+                                        </p:attrNameLst>
+                                      </p:cBhvr>
+                                      <p:tavLst>
+                                        <p:tav tm="0">
+                                          <p:val>
+                                            <p:fltVal val="0"/>
+                                          </p:val>
+                                        </p:tav>
+                                        <p:tav tm="100000">
+                                          <p:val>
+                                            <p:strVal val="#ppt_w"/>
+                                          </p:val>
+                                        </p:tav>
+                                      </p:tavLst>
+                                    </p:anim>
+                                    <p:anim calcmode="lin" valueType="num">
+                                      <p:cBhvr>
+                                        <p:cTn id="15" dur="1000" fill="hold"/>
+                                        <p:tgtEl>
+                                          <p:spTgt spid="5"/>
+                                        </p:tgtEl>
+                                        <p:attrNameLst>
+                                          <p:attrName>ppt_h</p:attrName>
+                                        </p:attrNameLst>
+                                      </p:cBhvr>
+                                      <p:tavLst>
+                                        <p:tav tm="0">
+                                          <p:val>
+                                            <p:fltVal val="0"/>
+                                          </p:val>
+                                        </p:tav>
+                                        <p:tav tm="100000">
+                                          <p:val>
+                                            <p:strVal val="#ppt_h"/>
+                                          </p:val>
+                                        </p:tav>
+                                      </p:tavLst>
+                                    </p:anim>
+                                    <p:anim calcmode="lin" valueType="num">
+                                      <p:cBhvr>
+                                        <p:cTn id="16" dur="1000" fill="hold"/>
+                                        <p:tgtEl>
+                                          <p:spTgt spid="5"/>
+                                        </p:tgtEl>
+                                        <p:attrNameLst>
+                                          <p:attrName>style.rotation</p:attrName>
+                                        </p:attrNameLst>
+                                      </p:cBhvr>
+                                      <p:tavLst>
+                                        <p:tav tm="0">
+                                          <p:val>
+                                            <p:fltVal val="90"/>
+                                          </p:val>
+                                        </p:tav>
+                                        <p:tav tm="100000">
+                                          <p:val>
+                                            <p:fltVal val="0"/>
+                                          </p:val>
+                                        </p:tav>
+                                      </p:tavLst>
+                                    </p:anim>
+                                    <p:animEffect transition="in" filter="fade">
+                                      <p:cBhvr>
+                                        <p:cTn id="17" dur="1000"/>
+                                        <p:tgtEl>
+                                          <p:spTgt spid="5"/>
+                                        </p:tgtEl>
+                                      </p:cBhvr>
+                                    </p:animEffect>
+                                  </p:childTnLst>
+                                </p:cTn>
+                              </p:par>
+                            </p:childTnLst>
+                          </p:cTn>
+                        </p:par>
+                      </p:childTnLst>
+                    </p:cTn>
+                  </p:par>
+                </p:childTnLst>
+              </p:cTn>
+              <p:prevCondLst>
+                <p:cond evt="onPrev" delay="0">
+                  <p:tgtEl>
+                    <p:sldTgt/>
+                  </p:tgtEl>
+                </p:cond>
+              </p:prevCondLst>
+              <p:nextCondLst>
+                <p:cond evt="onNext" delay="0">
+                  <p:tgtEl>
+                    <p:sldTgt/>
+                  </p:tgtEl>
+                </p:cond>
+              </p:nextCondLst>
+            </p:seq>
+          </p:childTnLst>
+        </p:cTn>
+      </p:par>
+    </p:tnLst>
+    <p:bldLst>
+      <p:bldP spid="3" grpId="0" build="p"/>
+    </p:bldLst>
+  </p:timing>
 </p:sld>
 </file>
 
@@ -7396,6 +9166,240 @@
   <p:clrMapOvr>
     <a:masterClrMapping/>
   </p:clrMapOvr>
+  <p:transition spd="slow">
+    <p:push dir="u"/>
+  </p:transition>
+  <p:timing>
+    <p:tnLst>
+      <p:par>
+        <p:cTn id="1" dur="indefinite" restart="never" nodeType="tmRoot">
+          <p:childTnLst>
+            <p:seq concurrent="1" nextAc="seek">
+              <p:cTn id="2" dur="indefinite" nodeType="mainSeq">
+                <p:childTnLst>
+                  <p:par>
+                    <p:cTn id="3" fill="hold">
+                      <p:stCondLst>
+                        <p:cond delay="indefinite"/>
+                      </p:stCondLst>
+                      <p:childTnLst>
+                        <p:par>
+                          <p:cTn id="4" fill="hold">
+                            <p:stCondLst>
+                              <p:cond delay="0"/>
+                            </p:stCondLst>
+                            <p:childTnLst>
+                              <p:par>
+                                <p:cTn id="5" presetID="53" presetClass="entr" presetSubtype="16" fill="hold" grpId="0" nodeType="clickEffect">
+                                  <p:stCondLst>
+                                    <p:cond delay="0"/>
+                                  </p:stCondLst>
+                                  <p:childTnLst>
+                                    <p:set>
+                                      <p:cBhvr>
+                                        <p:cTn id="6" dur="1" fill="hold">
+                                          <p:stCondLst>
+                                            <p:cond delay="0"/>
+                                          </p:stCondLst>
+                                        </p:cTn>
+                                        <p:tgtEl>
+                                          <p:spTgt spid="3">
+                                            <p:txEl>
+                                              <p:pRg st="0" end="0"/>
+                                            </p:txEl>
+                                          </p:spTgt>
+                                        </p:tgtEl>
+                                        <p:attrNameLst>
+                                          <p:attrName>style.visibility</p:attrName>
+                                        </p:attrNameLst>
+                                      </p:cBhvr>
+                                      <p:to>
+                                        <p:strVal val="visible"/>
+                                      </p:to>
+                                    </p:set>
+                                    <p:anim calcmode="lin" valueType="num">
+                                      <p:cBhvr>
+                                        <p:cTn id="7" dur="500" fill="hold"/>
+                                        <p:tgtEl>
+                                          <p:spTgt spid="3">
+                                            <p:txEl>
+                                              <p:pRg st="0" end="0"/>
+                                            </p:txEl>
+                                          </p:spTgt>
+                                        </p:tgtEl>
+                                        <p:attrNameLst>
+                                          <p:attrName>ppt_w</p:attrName>
+                                        </p:attrNameLst>
+                                      </p:cBhvr>
+                                      <p:tavLst>
+                                        <p:tav tm="0">
+                                          <p:val>
+                                            <p:fltVal val="0"/>
+                                          </p:val>
+                                        </p:tav>
+                                        <p:tav tm="100000">
+                                          <p:val>
+                                            <p:strVal val="#ppt_w"/>
+                                          </p:val>
+                                        </p:tav>
+                                      </p:tavLst>
+                                    </p:anim>
+                                    <p:anim calcmode="lin" valueType="num">
+                                      <p:cBhvr>
+                                        <p:cTn id="8" dur="500" fill="hold"/>
+                                        <p:tgtEl>
+                                          <p:spTgt spid="3">
+                                            <p:txEl>
+                                              <p:pRg st="0" end="0"/>
+                                            </p:txEl>
+                                          </p:spTgt>
+                                        </p:tgtEl>
+                                        <p:attrNameLst>
+                                          <p:attrName>ppt_h</p:attrName>
+                                        </p:attrNameLst>
+                                      </p:cBhvr>
+                                      <p:tavLst>
+                                        <p:tav tm="0">
+                                          <p:val>
+                                            <p:fltVal val="0"/>
+                                          </p:val>
+                                        </p:tav>
+                                        <p:tav tm="100000">
+                                          <p:val>
+                                            <p:strVal val="#ppt_h"/>
+                                          </p:val>
+                                        </p:tav>
+                                      </p:tavLst>
+                                    </p:anim>
+                                    <p:animEffect transition="in" filter="fade">
+                                      <p:cBhvr>
+                                        <p:cTn id="9" dur="500"/>
+                                        <p:tgtEl>
+                                          <p:spTgt spid="3">
+                                            <p:txEl>
+                                              <p:pRg st="0" end="0"/>
+                                            </p:txEl>
+                                          </p:spTgt>
+                                        </p:tgtEl>
+                                      </p:cBhvr>
+                                    </p:animEffect>
+                                  </p:childTnLst>
+                                </p:cTn>
+                              </p:par>
+                            </p:childTnLst>
+                          </p:cTn>
+                        </p:par>
+                      </p:childTnLst>
+                    </p:cTn>
+                  </p:par>
+                  <p:par>
+                    <p:cTn id="10" fill="hold">
+                      <p:stCondLst>
+                        <p:cond delay="indefinite"/>
+                      </p:stCondLst>
+                      <p:childTnLst>
+                        <p:par>
+                          <p:cTn id="11" fill="hold">
+                            <p:stCondLst>
+                              <p:cond delay="0"/>
+                            </p:stCondLst>
+                            <p:childTnLst>
+                              <p:par>
+                                <p:cTn id="12" presetID="52" presetClass="entr" presetSubtype="0" fill="hold" nodeType="clickEffect">
+                                  <p:stCondLst>
+                                    <p:cond delay="0"/>
+                                  </p:stCondLst>
+                                  <p:childTnLst>
+                                    <p:set>
+                                      <p:cBhvr>
+                                        <p:cTn id="13" dur="1" fill="hold">
+                                          <p:stCondLst>
+                                            <p:cond delay="0"/>
+                                          </p:stCondLst>
+                                        </p:cTn>
+                                        <p:tgtEl>
+                                          <p:spTgt spid="7"/>
+                                        </p:tgtEl>
+                                        <p:attrNameLst>
+                                          <p:attrName>style.visibility</p:attrName>
+                                        </p:attrNameLst>
+                                      </p:cBhvr>
+                                      <p:to>
+                                        <p:strVal val="visible"/>
+                                      </p:to>
+                                    </p:set>
+                                    <p:animScale>
+                                      <p:cBhvr>
+                                        <p:cTn id="14" dur="1000" decel="50000" fill="hold">
+                                          <p:stCondLst>
+                                            <p:cond delay="0"/>
+                                          </p:stCondLst>
+                                        </p:cTn>
+                                        <p:tgtEl>
+                                          <p:spTgt spid="7"/>
+                                        </p:tgtEl>
+                                      </p:cBhvr>
+                                      <p:from x="250000" y="250000"/>
+                                      <p:to x="100000" y="100000"/>
+                                    </p:animScale>
+                                    <p:animMotion origin="layout" path="M -0.46736 0.92887  C -0.37517 0.88508  -0.02552 0.75279  0.0908 0.66613  C  0.20747 0.57948  0.21649 0.50394  0.23177 0.40825  C 0.24705 0.31256  0.22118 0.15964   0.18264 0.09152  C 0.1441 0.02341  0.03802 0.0  0.0 0.0  " pathEditMode="relative" ptsTypes="">
+                                      <p:cBhvr>
+                                        <p:cTn id="15" dur="1000" decel="50000" fill="hold">
+                                          <p:stCondLst>
+                                            <p:cond delay="0"/>
+                                          </p:stCondLst>
+                                        </p:cTn>
+                                        <p:tgtEl>
+                                          <p:spTgt spid="7"/>
+                                        </p:tgtEl>
+                                        <p:attrNameLst>
+                                          <p:attrName>ppt_x</p:attrName>
+                                          <p:attrName>ppt_y</p:attrName>
+                                        </p:attrNameLst>
+                                      </p:cBhvr>
+                                    </p:animMotion>
+                                    <p:animEffect transition="in" filter="fade">
+                                      <p:cBhvr>
+                                        <p:cTn id="16" dur="1000"/>
+                                        <p:tgtEl>
+                                          <p:spTgt spid="7"/>
+                                        </p:tgtEl>
+                                      </p:cBhvr>
+                                    </p:animEffect>
+                                  </p:childTnLst>
+                                </p:cTn>
+                              </p:par>
+                            </p:childTnLst>
+                          </p:cTn>
+                        </p:par>
+                      </p:childTnLst>
+                    </p:cTn>
+                  </p:par>
+                </p:childTnLst>
+              </p:cTn>
+              <p:prevCondLst>
+                <p:cond evt="onPrev" delay="0">
+                  <p:tgtEl>
+                    <p:sldTgt/>
+                  </p:tgtEl>
+                </p:cond>
+              </p:prevCondLst>
+              <p:nextCondLst>
+                <p:cond evt="onNext" delay="0">
+                  <p:tgtEl>
+                    <p:sldTgt/>
+                  </p:tgtEl>
+                </p:cond>
+              </p:nextCondLst>
+            </p:seq>
+          </p:childTnLst>
+        </p:cTn>
+      </p:par>
+    </p:tnLst>
+    <p:bldLst>
+      <p:bldP spid="3" grpId="0" build="p"/>
+    </p:bldLst>
+  </p:timing>
 </p:sld>
 </file>
 
@@ -7495,6 +9499,241 @@
   <p:clrMapOvr>
     <a:masterClrMapping/>
   </p:clrMapOvr>
+  <p:transition spd="slow">
+    <p:push dir="u"/>
+  </p:transition>
+  <p:timing>
+    <p:tnLst>
+      <p:par>
+        <p:cTn id="1" dur="indefinite" restart="never" nodeType="tmRoot">
+          <p:childTnLst>
+            <p:seq concurrent="1" nextAc="seek">
+              <p:cTn id="2" dur="indefinite" nodeType="mainSeq">
+                <p:childTnLst>
+                  <p:par>
+                    <p:cTn id="3" fill="hold">
+                      <p:stCondLst>
+                        <p:cond delay="indefinite"/>
+                      </p:stCondLst>
+                      <p:childTnLst>
+                        <p:par>
+                          <p:cTn id="4" fill="hold">
+                            <p:stCondLst>
+                              <p:cond delay="0"/>
+                            </p:stCondLst>
+                            <p:childTnLst>
+                              <p:par>
+                                <p:cTn id="5" presetID="37" presetClass="entr" presetSubtype="0" fill="hold" grpId="0" nodeType="clickEffect">
+                                  <p:stCondLst>
+                                    <p:cond delay="0"/>
+                                  </p:stCondLst>
+                                  <p:childTnLst>
+                                    <p:set>
+                                      <p:cBhvr>
+                                        <p:cTn id="6" dur="1" fill="hold">
+                                          <p:stCondLst>
+                                            <p:cond delay="0"/>
+                                          </p:stCondLst>
+                                        </p:cTn>
+                                        <p:tgtEl>
+                                          <p:spTgt spid="3">
+                                            <p:txEl>
+                                              <p:pRg st="0" end="0"/>
+                                            </p:txEl>
+                                          </p:spTgt>
+                                        </p:tgtEl>
+                                        <p:attrNameLst>
+                                          <p:attrName>style.visibility</p:attrName>
+                                        </p:attrNameLst>
+                                      </p:cBhvr>
+                                      <p:to>
+                                        <p:strVal val="visible"/>
+                                      </p:to>
+                                    </p:set>
+                                    <p:animEffect transition="in" filter="fade">
+                                      <p:cBhvr>
+                                        <p:cTn id="7" dur="1000"/>
+                                        <p:tgtEl>
+                                          <p:spTgt spid="3">
+                                            <p:txEl>
+                                              <p:pRg st="0" end="0"/>
+                                            </p:txEl>
+                                          </p:spTgt>
+                                        </p:tgtEl>
+                                      </p:cBhvr>
+                                    </p:animEffect>
+                                    <p:anim calcmode="lin" valueType="num">
+                                      <p:cBhvr>
+                                        <p:cTn id="8" dur="1000" fill="hold"/>
+                                        <p:tgtEl>
+                                          <p:spTgt spid="3">
+                                            <p:txEl>
+                                              <p:pRg st="0" end="0"/>
+                                            </p:txEl>
+                                          </p:spTgt>
+                                        </p:tgtEl>
+                                        <p:attrNameLst>
+                                          <p:attrName>ppt_x</p:attrName>
+                                        </p:attrNameLst>
+                                      </p:cBhvr>
+                                      <p:tavLst>
+                                        <p:tav tm="0">
+                                          <p:val>
+                                            <p:strVal val="#ppt_x"/>
+                                          </p:val>
+                                        </p:tav>
+                                        <p:tav tm="100000">
+                                          <p:val>
+                                            <p:strVal val="#ppt_x"/>
+                                          </p:val>
+                                        </p:tav>
+                                      </p:tavLst>
+                                    </p:anim>
+                                    <p:anim calcmode="lin" valueType="num">
+                                      <p:cBhvr>
+                                        <p:cTn id="9" dur="900" decel="100000" fill="hold"/>
+                                        <p:tgtEl>
+                                          <p:spTgt spid="3">
+                                            <p:txEl>
+                                              <p:pRg st="0" end="0"/>
+                                            </p:txEl>
+                                          </p:spTgt>
+                                        </p:tgtEl>
+                                        <p:attrNameLst>
+                                          <p:attrName>ppt_y</p:attrName>
+                                        </p:attrNameLst>
+                                      </p:cBhvr>
+                                      <p:tavLst>
+                                        <p:tav tm="0">
+                                          <p:val>
+                                            <p:strVal val="#ppt_y+1"/>
+                                          </p:val>
+                                        </p:tav>
+                                        <p:tav tm="100000">
+                                          <p:val>
+                                            <p:strVal val="#ppt_y-.03"/>
+                                          </p:val>
+                                        </p:tav>
+                                      </p:tavLst>
+                                    </p:anim>
+                                    <p:anim calcmode="lin" valueType="num">
+                                      <p:cBhvr>
+                                        <p:cTn id="10" dur="100" accel="100000" fill="hold">
+                                          <p:stCondLst>
+                                            <p:cond delay="900"/>
+                                          </p:stCondLst>
+                                        </p:cTn>
+                                        <p:tgtEl>
+                                          <p:spTgt spid="3">
+                                            <p:txEl>
+                                              <p:pRg st="0" end="0"/>
+                                            </p:txEl>
+                                          </p:spTgt>
+                                        </p:tgtEl>
+                                        <p:attrNameLst>
+                                          <p:attrName>ppt_y</p:attrName>
+                                        </p:attrNameLst>
+                                      </p:cBhvr>
+                                      <p:tavLst>
+                                        <p:tav tm="0">
+                                          <p:val>
+                                            <p:strVal val="#ppt_y-.03"/>
+                                          </p:val>
+                                        </p:tav>
+                                        <p:tav tm="100000">
+                                          <p:val>
+                                            <p:strVal val="#ppt_y"/>
+                                          </p:val>
+                                        </p:tav>
+                                      </p:tavLst>
+                                    </p:anim>
+                                  </p:childTnLst>
+                                </p:cTn>
+                              </p:par>
+                            </p:childTnLst>
+                          </p:cTn>
+                        </p:par>
+                      </p:childTnLst>
+                    </p:cTn>
+                  </p:par>
+                  <p:par>
+                    <p:cTn id="11" fill="hold">
+                      <p:stCondLst>
+                        <p:cond delay="indefinite"/>
+                      </p:stCondLst>
+                      <p:childTnLst>
+                        <p:par>
+                          <p:cTn id="12" fill="hold">
+                            <p:stCondLst>
+                              <p:cond delay="0"/>
+                            </p:stCondLst>
+                            <p:childTnLst>
+                              <p:par>
+                                <p:cTn id="13" presetID="22" presetClass="entr" presetSubtype="4" fill="hold" nodeType="clickEffect">
+                                  <p:stCondLst>
+                                    <p:cond delay="0"/>
+                                  </p:stCondLst>
+                                  <p:childTnLst>
+                                    <p:set>
+                                      <p:cBhvr>
+                                        <p:cTn id="14" dur="1" fill="hold">
+                                          <p:stCondLst>
+                                            <p:cond delay="0"/>
+                                          </p:stCondLst>
+                                        </p:cTn>
+                                        <p:tgtEl>
+                                          <p:spTgt spid="7"/>
+                                        </p:tgtEl>
+                                        <p:attrNameLst>
+                                          <p:attrName>style.visibility</p:attrName>
+                                        </p:attrNameLst>
+                                      </p:cBhvr>
+                                      <p:to>
+                                        <p:strVal val="visible"/>
+                                      </p:to>
+                                    </p:set>
+                                    <p:animEffect transition="in" filter="wipe(down)">
+                                      <p:cBhvr>
+                                        <p:cTn id="15" dur="500"/>
+                                        <p:tgtEl>
+                                          <p:spTgt spid="7"/>
+                                        </p:tgtEl>
+                                      </p:cBhvr>
+                                    </p:animEffect>
+                                  </p:childTnLst>
+                                </p:cTn>
+                              </p:par>
+                            </p:childTnLst>
+                          </p:cTn>
+                        </p:par>
+                      </p:childTnLst>
+                    </p:cTn>
+                  </p:par>
+                </p:childTnLst>
+              </p:cTn>
+              <p:prevCondLst>
+                <p:cond evt="onPrev" delay="0">
+                  <p:tgtEl>
+                    <p:sldTgt/>
+                  </p:tgtEl>
+                </p:cond>
+              </p:prevCondLst>
+              <p:nextCondLst>
+                <p:cond evt="onNext" delay="0">
+                  <p:tgtEl>
+                    <p:sldTgt/>
+                  </p:tgtEl>
+                </p:cond>
+              </p:nextCondLst>
+            </p:seq>
+          </p:childTnLst>
+        </p:cTn>
+      </p:par>
+    </p:tnLst>
+    <p:bldLst>
+      <p:bldP spid="3" grpId="0" build="p"/>
+    </p:bldLst>
+  </p:timing>
 </p:sld>
 </file>
 
@@ -7624,6 +9863,408 @@
   <p:clrMapOvr>
     <a:masterClrMapping/>
   </p:clrMapOvr>
+  <p:transition spd="slow">
+    <p:push dir="u"/>
+  </p:transition>
+  <p:timing>
+    <p:tnLst>
+      <p:par>
+        <p:cTn id="1" dur="indefinite" restart="never" nodeType="tmRoot">
+          <p:childTnLst>
+            <p:seq concurrent="1" nextAc="seek">
+              <p:cTn id="2" dur="indefinite" nodeType="mainSeq">
+                <p:childTnLst>
+                  <p:par>
+                    <p:cTn id="3" fill="hold">
+                      <p:stCondLst>
+                        <p:cond delay="indefinite"/>
+                      </p:stCondLst>
+                      <p:childTnLst>
+                        <p:par>
+                          <p:cTn id="4" fill="hold">
+                            <p:stCondLst>
+                              <p:cond delay="0"/>
+                            </p:stCondLst>
+                            <p:childTnLst>
+                              <p:par>
+                                <p:cTn id="5" presetID="25" presetClass="entr" presetSubtype="0" fill="hold" grpId="0" nodeType="clickEffect">
+                                  <p:stCondLst>
+                                    <p:cond delay="0"/>
+                                  </p:stCondLst>
+                                  <p:childTnLst>
+                                    <p:set>
+                                      <p:cBhvr>
+                                        <p:cTn id="6" dur="1" fill="hold">
+                                          <p:stCondLst>
+                                            <p:cond delay="0"/>
+                                          </p:stCondLst>
+                                        </p:cTn>
+                                        <p:tgtEl>
+                                          <p:spTgt spid="3">
+                                            <p:txEl>
+                                              <p:pRg st="0" end="0"/>
+                                            </p:txEl>
+                                          </p:spTgt>
+                                        </p:tgtEl>
+                                        <p:attrNameLst>
+                                          <p:attrName>style.visibility</p:attrName>
+                                        </p:attrNameLst>
+                                      </p:cBhvr>
+                                      <p:to>
+                                        <p:strVal val="visible"/>
+                                      </p:to>
+                                    </p:set>
+                                    <p:anim calcmode="lin" valueType="num">
+                                      <p:cBhvr>
+                                        <p:cTn id="7" dur="500" decel="50000" fill="hold">
+                                          <p:stCondLst>
+                                            <p:cond delay="0"/>
+                                          </p:stCondLst>
+                                        </p:cTn>
+                                        <p:tgtEl>
+                                          <p:spTgt spid="3">
+                                            <p:txEl>
+                                              <p:pRg st="0" end="0"/>
+                                            </p:txEl>
+                                          </p:spTgt>
+                                        </p:tgtEl>
+                                        <p:attrNameLst>
+                                          <p:attrName>style.rotation</p:attrName>
+                                        </p:attrNameLst>
+                                      </p:cBhvr>
+                                      <p:tavLst>
+                                        <p:tav tm="0">
+                                          <p:val>
+                                            <p:fltVal val="-90"/>
+                                          </p:val>
+                                        </p:tav>
+                                        <p:tav tm="100000">
+                                          <p:val>
+                                            <p:fltVal val="0"/>
+                                          </p:val>
+                                        </p:tav>
+                                      </p:tavLst>
+                                    </p:anim>
+                                    <p:anim calcmode="lin" valueType="num">
+                                      <p:cBhvr>
+                                        <p:cTn id="8" dur="500" decel="50000" fill="hold">
+                                          <p:stCondLst>
+                                            <p:cond delay="0"/>
+                                          </p:stCondLst>
+                                        </p:cTn>
+                                        <p:tgtEl>
+                                          <p:spTgt spid="3">
+                                            <p:txEl>
+                                              <p:pRg st="0" end="0"/>
+                                            </p:txEl>
+                                          </p:spTgt>
+                                        </p:tgtEl>
+                                        <p:attrNameLst>
+                                          <p:attrName>ppt_w</p:attrName>
+                                        </p:attrNameLst>
+                                      </p:cBhvr>
+                                      <p:tavLst>
+                                        <p:tav tm="0">
+                                          <p:val>
+                                            <p:strVal val="#ppt_w"/>
+                                          </p:val>
+                                        </p:tav>
+                                        <p:tav tm="100000">
+                                          <p:val>
+                                            <p:strVal val="#ppt_w*.05"/>
+                                          </p:val>
+                                        </p:tav>
+                                      </p:tavLst>
+                                    </p:anim>
+                                    <p:anim calcmode="lin" valueType="num">
+                                      <p:cBhvr>
+                                        <p:cTn id="9" dur="500" accel="50000" fill="hold">
+                                          <p:stCondLst>
+                                            <p:cond delay="500"/>
+                                          </p:stCondLst>
+                                        </p:cTn>
+                                        <p:tgtEl>
+                                          <p:spTgt spid="3">
+                                            <p:txEl>
+                                              <p:pRg st="0" end="0"/>
+                                            </p:txEl>
+                                          </p:spTgt>
+                                        </p:tgtEl>
+                                        <p:attrNameLst>
+                                          <p:attrName>ppt_w</p:attrName>
+                                        </p:attrNameLst>
+                                      </p:cBhvr>
+                                      <p:tavLst>
+                                        <p:tav tm="0">
+                                          <p:val>
+                                            <p:strVal val="#ppt_w*.05"/>
+                                          </p:val>
+                                        </p:tav>
+                                        <p:tav tm="100000">
+                                          <p:val>
+                                            <p:strVal val="#ppt_w"/>
+                                          </p:val>
+                                        </p:tav>
+                                      </p:tavLst>
+                                    </p:anim>
+                                    <p:anim calcmode="lin" valueType="num">
+                                      <p:cBhvr>
+                                        <p:cTn id="10" dur="1000" fill="hold"/>
+                                        <p:tgtEl>
+                                          <p:spTgt spid="3">
+                                            <p:txEl>
+                                              <p:pRg st="0" end="0"/>
+                                            </p:txEl>
+                                          </p:spTgt>
+                                        </p:tgtEl>
+                                        <p:attrNameLst>
+                                          <p:attrName>ppt_h</p:attrName>
+                                        </p:attrNameLst>
+                                      </p:cBhvr>
+                                      <p:tavLst>
+                                        <p:tav tm="0">
+                                          <p:val>
+                                            <p:strVal val="#ppt_h"/>
+                                          </p:val>
+                                        </p:tav>
+                                        <p:tav tm="100000">
+                                          <p:val>
+                                            <p:strVal val="#ppt_h"/>
+                                          </p:val>
+                                        </p:tav>
+                                      </p:tavLst>
+                                    </p:anim>
+                                    <p:anim calcmode="lin" valueType="num">
+                                      <p:cBhvr>
+                                        <p:cTn id="11" dur="500" decel="50000" fill="hold">
+                                          <p:stCondLst>
+                                            <p:cond delay="0"/>
+                                          </p:stCondLst>
+                                        </p:cTn>
+                                        <p:tgtEl>
+                                          <p:spTgt spid="3">
+                                            <p:txEl>
+                                              <p:pRg st="0" end="0"/>
+                                            </p:txEl>
+                                          </p:spTgt>
+                                        </p:tgtEl>
+                                        <p:attrNameLst>
+                                          <p:attrName>ppt_x</p:attrName>
+                                        </p:attrNameLst>
+                                      </p:cBhvr>
+                                      <p:tavLst>
+                                        <p:tav tm="0">
+                                          <p:val>
+                                            <p:strVal val="#ppt_x+.4"/>
+                                          </p:val>
+                                        </p:tav>
+                                        <p:tav tm="100000">
+                                          <p:val>
+                                            <p:strVal val="#ppt_x"/>
+                                          </p:val>
+                                        </p:tav>
+                                      </p:tavLst>
+                                    </p:anim>
+                                    <p:anim calcmode="lin" valueType="num">
+                                      <p:cBhvr>
+                                        <p:cTn id="12" dur="500" decel="50000" fill="hold">
+                                          <p:stCondLst>
+                                            <p:cond delay="0"/>
+                                          </p:stCondLst>
+                                        </p:cTn>
+                                        <p:tgtEl>
+                                          <p:spTgt spid="3">
+                                            <p:txEl>
+                                              <p:pRg st="0" end="0"/>
+                                            </p:txEl>
+                                          </p:spTgt>
+                                        </p:tgtEl>
+                                        <p:attrNameLst>
+                                          <p:attrName>ppt_y</p:attrName>
+                                        </p:attrNameLst>
+                                      </p:cBhvr>
+                                      <p:tavLst>
+                                        <p:tav tm="0">
+                                          <p:val>
+                                            <p:strVal val="#ppt_y-.2"/>
+                                          </p:val>
+                                        </p:tav>
+                                        <p:tav tm="100000">
+                                          <p:val>
+                                            <p:strVal val="#ppt_y+.1"/>
+                                          </p:val>
+                                        </p:tav>
+                                      </p:tavLst>
+                                    </p:anim>
+                                    <p:anim calcmode="lin" valueType="num">
+                                      <p:cBhvr>
+                                        <p:cTn id="13" dur="500" accel="50000" fill="hold">
+                                          <p:stCondLst>
+                                            <p:cond delay="500"/>
+                                          </p:stCondLst>
+                                        </p:cTn>
+                                        <p:tgtEl>
+                                          <p:spTgt spid="3">
+                                            <p:txEl>
+                                              <p:pRg st="0" end="0"/>
+                                            </p:txEl>
+                                          </p:spTgt>
+                                        </p:tgtEl>
+                                        <p:attrNameLst>
+                                          <p:attrName>ppt_y</p:attrName>
+                                        </p:attrNameLst>
+                                      </p:cBhvr>
+                                      <p:tavLst>
+                                        <p:tav tm="0">
+                                          <p:val>
+                                            <p:strVal val="#ppt_y+.1"/>
+                                          </p:val>
+                                        </p:tav>
+                                        <p:tav tm="100000">
+                                          <p:val>
+                                            <p:strVal val="#ppt_y"/>
+                                          </p:val>
+                                        </p:tav>
+                                      </p:tavLst>
+                                    </p:anim>
+                                    <p:animEffect transition="in" filter="fade">
+                                      <p:cBhvr>
+                                        <p:cTn id="14" dur="1000" decel="50000">
+                                          <p:stCondLst>
+                                            <p:cond delay="0"/>
+                                          </p:stCondLst>
+                                        </p:cTn>
+                                        <p:tgtEl>
+                                          <p:spTgt spid="3">
+                                            <p:txEl>
+                                              <p:pRg st="0" end="0"/>
+                                            </p:txEl>
+                                          </p:spTgt>
+                                        </p:tgtEl>
+                                      </p:cBhvr>
+                                    </p:animEffect>
+                                  </p:childTnLst>
+                                </p:cTn>
+                              </p:par>
+                            </p:childTnLst>
+                          </p:cTn>
+                        </p:par>
+                      </p:childTnLst>
+                    </p:cTn>
+                  </p:par>
+                  <p:par>
+                    <p:cTn id="15" fill="hold">
+                      <p:stCondLst>
+                        <p:cond delay="indefinite"/>
+                      </p:stCondLst>
+                      <p:childTnLst>
+                        <p:par>
+                          <p:cTn id="16" fill="hold">
+                            <p:stCondLst>
+                              <p:cond delay="0"/>
+                            </p:stCondLst>
+                            <p:childTnLst>
+                              <p:par>
+                                <p:cTn id="17" presetID="22" presetClass="entr" presetSubtype="4" fill="hold" nodeType="clickEffect">
+                                  <p:stCondLst>
+                                    <p:cond delay="0"/>
+                                  </p:stCondLst>
+                                  <p:childTnLst>
+                                    <p:set>
+                                      <p:cBhvr>
+                                        <p:cTn id="18" dur="1" fill="hold">
+                                          <p:stCondLst>
+                                            <p:cond delay="0"/>
+                                          </p:stCondLst>
+                                        </p:cTn>
+                                        <p:tgtEl>
+                                          <p:spTgt spid="5"/>
+                                        </p:tgtEl>
+                                        <p:attrNameLst>
+                                          <p:attrName>style.visibility</p:attrName>
+                                        </p:attrNameLst>
+                                      </p:cBhvr>
+                                      <p:to>
+                                        <p:strVal val="visible"/>
+                                      </p:to>
+                                    </p:set>
+                                    <p:animEffect transition="in" filter="wipe(down)">
+                                      <p:cBhvr>
+                                        <p:cTn id="19" dur="500"/>
+                                        <p:tgtEl>
+                                          <p:spTgt spid="5"/>
+                                        </p:tgtEl>
+                                      </p:cBhvr>
+                                    </p:animEffect>
+                                  </p:childTnLst>
+                                </p:cTn>
+                              </p:par>
+                              <p:par>
+                                <p:cTn id="20" presetID="22" presetClass="entr" presetSubtype="4" fill="hold" nodeType="withEffect">
+                                  <p:stCondLst>
+                                    <p:cond delay="0"/>
+                                  </p:stCondLst>
+                                  <p:childTnLst>
+                                    <p:set>
+                                      <p:cBhvr>
+                                        <p:cTn id="21" dur="1" fill="hold">
+                                          <p:stCondLst>
+                                            <p:cond delay="0"/>
+                                          </p:stCondLst>
+                                        </p:cTn>
+                                        <p:tgtEl>
+                                          <p:spTgt spid="7"/>
+                                        </p:tgtEl>
+                                        <p:attrNameLst>
+                                          <p:attrName>style.visibility</p:attrName>
+                                        </p:attrNameLst>
+                                      </p:cBhvr>
+                                      <p:to>
+                                        <p:strVal val="visible"/>
+                                      </p:to>
+                                    </p:set>
+                                    <p:animEffect transition="in" filter="wipe(down)">
+                                      <p:cBhvr>
+                                        <p:cTn id="22" dur="500"/>
+                                        <p:tgtEl>
+                                          <p:spTgt spid="7"/>
+                                        </p:tgtEl>
+                                      </p:cBhvr>
+                                    </p:animEffect>
+                                  </p:childTnLst>
+                                </p:cTn>
+                              </p:par>
+                            </p:childTnLst>
+                          </p:cTn>
+                        </p:par>
+                      </p:childTnLst>
+                    </p:cTn>
+                  </p:par>
+                </p:childTnLst>
+              </p:cTn>
+              <p:prevCondLst>
+                <p:cond evt="onPrev" delay="0">
+                  <p:tgtEl>
+                    <p:sldTgt/>
+                  </p:tgtEl>
+                </p:cond>
+              </p:prevCondLst>
+              <p:nextCondLst>
+                <p:cond evt="onNext" delay="0">
+                  <p:tgtEl>
+                    <p:sldTgt/>
+                  </p:tgtEl>
+                </p:cond>
+              </p:nextCondLst>
+            </p:seq>
+          </p:childTnLst>
+        </p:cTn>
+      </p:par>
+    </p:tnLst>
+    <p:bldLst>
+      <p:bldP spid="3" grpId="0" build="p"/>
+    </p:bldLst>
+  </p:timing>
 </p:sld>
 </file>
 
@@ -7722,6 +10363,237 @@
   <p:clrMapOvr>
     <a:masterClrMapping/>
   </p:clrMapOvr>
+  <p:transition spd="slow">
+    <p:push dir="u"/>
+  </p:transition>
+  <p:timing>
+    <p:tnLst>
+      <p:par>
+        <p:cTn id="1" dur="indefinite" restart="never" nodeType="tmRoot">
+          <p:childTnLst>
+            <p:seq concurrent="1" nextAc="seek">
+              <p:cTn id="2" dur="indefinite" nodeType="mainSeq">
+                <p:childTnLst>
+                  <p:par>
+                    <p:cTn id="3" fill="hold">
+                      <p:stCondLst>
+                        <p:cond delay="indefinite"/>
+                      </p:stCondLst>
+                      <p:childTnLst>
+                        <p:par>
+                          <p:cTn id="4" fill="hold">
+                            <p:stCondLst>
+                              <p:cond delay="0"/>
+                            </p:stCondLst>
+                            <p:childTnLst>
+                              <p:par>
+                                <p:cTn id="5" presetID="49" presetClass="entr" presetSubtype="0" decel="100000" fill="hold" grpId="0" nodeType="clickEffect">
+                                  <p:stCondLst>
+                                    <p:cond delay="0"/>
+                                  </p:stCondLst>
+                                  <p:childTnLst>
+                                    <p:set>
+                                      <p:cBhvr>
+                                        <p:cTn id="6" dur="1" fill="hold">
+                                          <p:stCondLst>
+                                            <p:cond delay="0"/>
+                                          </p:stCondLst>
+                                        </p:cTn>
+                                        <p:tgtEl>
+                                          <p:spTgt spid="3">
+                                            <p:txEl>
+                                              <p:pRg st="0" end="0"/>
+                                            </p:txEl>
+                                          </p:spTgt>
+                                        </p:tgtEl>
+                                        <p:attrNameLst>
+                                          <p:attrName>style.visibility</p:attrName>
+                                        </p:attrNameLst>
+                                      </p:cBhvr>
+                                      <p:to>
+                                        <p:strVal val="visible"/>
+                                      </p:to>
+                                    </p:set>
+                                    <p:anim calcmode="lin" valueType="num">
+                                      <p:cBhvr>
+                                        <p:cTn id="7" dur="500" fill="hold"/>
+                                        <p:tgtEl>
+                                          <p:spTgt spid="3">
+                                            <p:txEl>
+                                              <p:pRg st="0" end="0"/>
+                                            </p:txEl>
+                                          </p:spTgt>
+                                        </p:tgtEl>
+                                        <p:attrNameLst>
+                                          <p:attrName>ppt_w</p:attrName>
+                                        </p:attrNameLst>
+                                      </p:cBhvr>
+                                      <p:tavLst>
+                                        <p:tav tm="0">
+                                          <p:val>
+                                            <p:fltVal val="0"/>
+                                          </p:val>
+                                        </p:tav>
+                                        <p:tav tm="100000">
+                                          <p:val>
+                                            <p:strVal val="#ppt_w"/>
+                                          </p:val>
+                                        </p:tav>
+                                      </p:tavLst>
+                                    </p:anim>
+                                    <p:anim calcmode="lin" valueType="num">
+                                      <p:cBhvr>
+                                        <p:cTn id="8" dur="500" fill="hold"/>
+                                        <p:tgtEl>
+                                          <p:spTgt spid="3">
+                                            <p:txEl>
+                                              <p:pRg st="0" end="0"/>
+                                            </p:txEl>
+                                          </p:spTgt>
+                                        </p:tgtEl>
+                                        <p:attrNameLst>
+                                          <p:attrName>ppt_h</p:attrName>
+                                        </p:attrNameLst>
+                                      </p:cBhvr>
+                                      <p:tavLst>
+                                        <p:tav tm="0">
+                                          <p:val>
+                                            <p:fltVal val="0"/>
+                                          </p:val>
+                                        </p:tav>
+                                        <p:tav tm="100000">
+                                          <p:val>
+                                            <p:strVal val="#ppt_h"/>
+                                          </p:val>
+                                        </p:tav>
+                                      </p:tavLst>
+                                    </p:anim>
+                                    <p:anim calcmode="lin" valueType="num">
+                                      <p:cBhvr>
+                                        <p:cTn id="9" dur="500" fill="hold"/>
+                                        <p:tgtEl>
+                                          <p:spTgt spid="3">
+                                            <p:txEl>
+                                              <p:pRg st="0" end="0"/>
+                                            </p:txEl>
+                                          </p:spTgt>
+                                        </p:tgtEl>
+                                        <p:attrNameLst>
+                                          <p:attrName>style.rotation</p:attrName>
+                                        </p:attrNameLst>
+                                      </p:cBhvr>
+                                      <p:tavLst>
+                                        <p:tav tm="0">
+                                          <p:val>
+                                            <p:fltVal val="360"/>
+                                          </p:val>
+                                        </p:tav>
+                                        <p:tav tm="100000">
+                                          <p:val>
+                                            <p:fltVal val="0"/>
+                                          </p:val>
+                                        </p:tav>
+                                      </p:tavLst>
+                                    </p:anim>
+                                    <p:animEffect transition="in" filter="fade">
+                                      <p:cBhvr>
+                                        <p:cTn id="10" dur="500"/>
+                                        <p:tgtEl>
+                                          <p:spTgt spid="3">
+                                            <p:txEl>
+                                              <p:pRg st="0" end="0"/>
+                                            </p:txEl>
+                                          </p:spTgt>
+                                        </p:tgtEl>
+                                      </p:cBhvr>
+                                    </p:animEffect>
+                                  </p:childTnLst>
+                                </p:cTn>
+                              </p:par>
+                            </p:childTnLst>
+                          </p:cTn>
+                        </p:par>
+                      </p:childTnLst>
+                    </p:cTn>
+                  </p:par>
+                  <p:par>
+                    <p:cTn id="11" fill="hold">
+                      <p:stCondLst>
+                        <p:cond delay="indefinite"/>
+                      </p:stCondLst>
+                      <p:childTnLst>
+                        <p:par>
+                          <p:cTn id="12" fill="hold">
+                            <p:stCondLst>
+                              <p:cond delay="0"/>
+                            </p:stCondLst>
+                            <p:childTnLst>
+                              <p:par>
+                                <p:cTn id="13" presetID="3" presetClass="entr" presetSubtype="10" fill="hold" nodeType="clickEffect">
+                                  <p:stCondLst>
+                                    <p:cond delay="0"/>
+                                  </p:stCondLst>
+                                  <p:childTnLst>
+                                    <p:set>
+                                      <p:cBhvr>
+                                        <p:cTn id="14" dur="1" fill="hold">
+                                          <p:stCondLst>
+                                            <p:cond delay="0"/>
+                                          </p:stCondLst>
+                                        </p:cTn>
+                                        <p:tgtEl>
+                                          <p:spTgt spid="5"/>
+                                        </p:tgtEl>
+                                        <p:attrNameLst>
+                                          <p:attrName>style.visibility</p:attrName>
+                                        </p:attrNameLst>
+                                      </p:cBhvr>
+                                      <p:to>
+                                        <p:strVal val="visible"/>
+                                      </p:to>
+                                    </p:set>
+                                    <p:animEffect transition="in" filter="blinds(horizontal)">
+                                      <p:cBhvr>
+                                        <p:cTn id="15" dur="500"/>
+                                        <p:tgtEl>
+                                          <p:spTgt spid="5"/>
+                                        </p:tgtEl>
+                                      </p:cBhvr>
+                                    </p:animEffect>
+                                  </p:childTnLst>
+                                </p:cTn>
+                              </p:par>
+                            </p:childTnLst>
+                          </p:cTn>
+                        </p:par>
+                      </p:childTnLst>
+                    </p:cTn>
+                  </p:par>
+                </p:childTnLst>
+              </p:cTn>
+              <p:prevCondLst>
+                <p:cond evt="onPrev" delay="0">
+                  <p:tgtEl>
+                    <p:sldTgt/>
+                  </p:tgtEl>
+                </p:cond>
+              </p:prevCondLst>
+              <p:nextCondLst>
+                <p:cond evt="onNext" delay="0">
+                  <p:tgtEl>
+                    <p:sldTgt/>
+                  </p:tgtEl>
+                </p:cond>
+              </p:nextCondLst>
+            </p:seq>
+          </p:childTnLst>
+        </p:cTn>
+      </p:par>
+    </p:tnLst>
+    <p:bldLst>
+      <p:bldP spid="3" grpId="0" build="p"/>
+    </p:bldLst>
+  </p:timing>
 </p:sld>
 </file>
 
@@ -7783,10 +10655,10 @@
       </p:sp>
       <p:pic>
         <p:nvPicPr>
-          <p:cNvPr id="5" name="Picture 4">
+          <p:cNvPr id="7" name="Picture 6">
             <a:extLst>
               <a:ext uri="{FF2B5EF4-FFF2-40B4-BE49-F238E27FC236}">
-                <a16:creationId xmlns:a16="http://schemas.microsoft.com/office/drawing/2014/main" id="{84345D7A-49A7-724C-BCDE-D00B8A6A5694}"/>
+                <a16:creationId xmlns:a16="http://schemas.microsoft.com/office/drawing/2014/main" id="{3D7DA78E-3D92-2144-A396-09F3963024FD}"/>
               </a:ext>
             </a:extLst>
           </p:cNvPr>
@@ -7803,8 +10675,8 @@
         </p:blipFill>
         <p:spPr>
           <a:xfrm>
-            <a:off x="2305049" y="2359025"/>
-            <a:ext cx="6196013" cy="3497891"/>
+            <a:off x="2698445" y="2274888"/>
+            <a:ext cx="5727700" cy="3822700"/>
           </a:xfrm>
           <a:prstGeom prst="rect">
             <a:avLst/>
@@ -7821,6 +10693,241 @@
   <p:clrMapOvr>
     <a:masterClrMapping/>
   </p:clrMapOvr>
+  <p:transition spd="slow">
+    <p:push dir="u"/>
+  </p:transition>
+  <p:timing>
+    <p:tnLst>
+      <p:par>
+        <p:cTn id="1" dur="indefinite" restart="never" nodeType="tmRoot">
+          <p:childTnLst>
+            <p:seq concurrent="1" nextAc="seek">
+              <p:cTn id="2" dur="indefinite" nodeType="mainSeq">
+                <p:childTnLst>
+                  <p:par>
+                    <p:cTn id="3" fill="hold">
+                      <p:stCondLst>
+                        <p:cond delay="indefinite"/>
+                      </p:stCondLst>
+                      <p:childTnLst>
+                        <p:par>
+                          <p:cTn id="4" fill="hold">
+                            <p:stCondLst>
+                              <p:cond delay="0"/>
+                            </p:stCondLst>
+                            <p:childTnLst>
+                              <p:par>
+                                <p:cTn id="5" presetID="37" presetClass="entr" presetSubtype="0" fill="hold" grpId="0" nodeType="clickEffect">
+                                  <p:stCondLst>
+                                    <p:cond delay="0"/>
+                                  </p:stCondLst>
+                                  <p:childTnLst>
+                                    <p:set>
+                                      <p:cBhvr>
+                                        <p:cTn id="6" dur="1" fill="hold">
+                                          <p:stCondLst>
+                                            <p:cond delay="0"/>
+                                          </p:stCondLst>
+                                        </p:cTn>
+                                        <p:tgtEl>
+                                          <p:spTgt spid="3">
+                                            <p:txEl>
+                                              <p:pRg st="0" end="0"/>
+                                            </p:txEl>
+                                          </p:spTgt>
+                                        </p:tgtEl>
+                                        <p:attrNameLst>
+                                          <p:attrName>style.visibility</p:attrName>
+                                        </p:attrNameLst>
+                                      </p:cBhvr>
+                                      <p:to>
+                                        <p:strVal val="visible"/>
+                                      </p:to>
+                                    </p:set>
+                                    <p:animEffect transition="in" filter="fade">
+                                      <p:cBhvr>
+                                        <p:cTn id="7" dur="1000"/>
+                                        <p:tgtEl>
+                                          <p:spTgt spid="3">
+                                            <p:txEl>
+                                              <p:pRg st="0" end="0"/>
+                                            </p:txEl>
+                                          </p:spTgt>
+                                        </p:tgtEl>
+                                      </p:cBhvr>
+                                    </p:animEffect>
+                                    <p:anim calcmode="lin" valueType="num">
+                                      <p:cBhvr>
+                                        <p:cTn id="8" dur="1000" fill="hold"/>
+                                        <p:tgtEl>
+                                          <p:spTgt spid="3">
+                                            <p:txEl>
+                                              <p:pRg st="0" end="0"/>
+                                            </p:txEl>
+                                          </p:spTgt>
+                                        </p:tgtEl>
+                                        <p:attrNameLst>
+                                          <p:attrName>ppt_x</p:attrName>
+                                        </p:attrNameLst>
+                                      </p:cBhvr>
+                                      <p:tavLst>
+                                        <p:tav tm="0">
+                                          <p:val>
+                                            <p:strVal val="#ppt_x"/>
+                                          </p:val>
+                                        </p:tav>
+                                        <p:tav tm="100000">
+                                          <p:val>
+                                            <p:strVal val="#ppt_x"/>
+                                          </p:val>
+                                        </p:tav>
+                                      </p:tavLst>
+                                    </p:anim>
+                                    <p:anim calcmode="lin" valueType="num">
+                                      <p:cBhvr>
+                                        <p:cTn id="9" dur="900" decel="100000" fill="hold"/>
+                                        <p:tgtEl>
+                                          <p:spTgt spid="3">
+                                            <p:txEl>
+                                              <p:pRg st="0" end="0"/>
+                                            </p:txEl>
+                                          </p:spTgt>
+                                        </p:tgtEl>
+                                        <p:attrNameLst>
+                                          <p:attrName>ppt_y</p:attrName>
+                                        </p:attrNameLst>
+                                      </p:cBhvr>
+                                      <p:tavLst>
+                                        <p:tav tm="0">
+                                          <p:val>
+                                            <p:strVal val="#ppt_y+1"/>
+                                          </p:val>
+                                        </p:tav>
+                                        <p:tav tm="100000">
+                                          <p:val>
+                                            <p:strVal val="#ppt_y-.03"/>
+                                          </p:val>
+                                        </p:tav>
+                                      </p:tavLst>
+                                    </p:anim>
+                                    <p:anim calcmode="lin" valueType="num">
+                                      <p:cBhvr>
+                                        <p:cTn id="10" dur="100" accel="100000" fill="hold">
+                                          <p:stCondLst>
+                                            <p:cond delay="900"/>
+                                          </p:stCondLst>
+                                        </p:cTn>
+                                        <p:tgtEl>
+                                          <p:spTgt spid="3">
+                                            <p:txEl>
+                                              <p:pRg st="0" end="0"/>
+                                            </p:txEl>
+                                          </p:spTgt>
+                                        </p:tgtEl>
+                                        <p:attrNameLst>
+                                          <p:attrName>ppt_y</p:attrName>
+                                        </p:attrNameLst>
+                                      </p:cBhvr>
+                                      <p:tavLst>
+                                        <p:tav tm="0">
+                                          <p:val>
+                                            <p:strVal val="#ppt_y-.03"/>
+                                          </p:val>
+                                        </p:tav>
+                                        <p:tav tm="100000">
+                                          <p:val>
+                                            <p:strVal val="#ppt_y"/>
+                                          </p:val>
+                                        </p:tav>
+                                      </p:tavLst>
+                                    </p:anim>
+                                  </p:childTnLst>
+                                </p:cTn>
+                              </p:par>
+                            </p:childTnLst>
+                          </p:cTn>
+                        </p:par>
+                      </p:childTnLst>
+                    </p:cTn>
+                  </p:par>
+                  <p:par>
+                    <p:cTn id="11" fill="hold">
+                      <p:stCondLst>
+                        <p:cond delay="indefinite"/>
+                      </p:stCondLst>
+                      <p:childTnLst>
+                        <p:par>
+                          <p:cTn id="12" fill="hold">
+                            <p:stCondLst>
+                              <p:cond delay="0"/>
+                            </p:stCondLst>
+                            <p:childTnLst>
+                              <p:par>
+                                <p:cTn id="13" presetID="5" presetClass="entr" presetSubtype="10" fill="hold" nodeType="clickEffect">
+                                  <p:stCondLst>
+                                    <p:cond delay="0"/>
+                                  </p:stCondLst>
+                                  <p:childTnLst>
+                                    <p:set>
+                                      <p:cBhvr>
+                                        <p:cTn id="14" dur="1" fill="hold">
+                                          <p:stCondLst>
+                                            <p:cond delay="0"/>
+                                          </p:stCondLst>
+                                        </p:cTn>
+                                        <p:tgtEl>
+                                          <p:spTgt spid="7"/>
+                                        </p:tgtEl>
+                                        <p:attrNameLst>
+                                          <p:attrName>style.visibility</p:attrName>
+                                        </p:attrNameLst>
+                                      </p:cBhvr>
+                                      <p:to>
+                                        <p:strVal val="visible"/>
+                                      </p:to>
+                                    </p:set>
+                                    <p:animEffect transition="in" filter="checkerboard(across)">
+                                      <p:cBhvr>
+                                        <p:cTn id="15" dur="500"/>
+                                        <p:tgtEl>
+                                          <p:spTgt spid="7"/>
+                                        </p:tgtEl>
+                                      </p:cBhvr>
+                                    </p:animEffect>
+                                  </p:childTnLst>
+                                </p:cTn>
+                              </p:par>
+                            </p:childTnLst>
+                          </p:cTn>
+                        </p:par>
+                      </p:childTnLst>
+                    </p:cTn>
+                  </p:par>
+                </p:childTnLst>
+              </p:cTn>
+              <p:prevCondLst>
+                <p:cond evt="onPrev" delay="0">
+                  <p:tgtEl>
+                    <p:sldTgt/>
+                  </p:tgtEl>
+                </p:cond>
+              </p:prevCondLst>
+              <p:nextCondLst>
+                <p:cond evt="onNext" delay="0">
+                  <p:tgtEl>
+                    <p:sldTgt/>
+                  </p:tgtEl>
+                </p:cond>
+              </p:nextCondLst>
+            </p:seq>
+          </p:childTnLst>
+        </p:cTn>
+      </p:par>
+    </p:tnLst>
+    <p:bldLst>
+      <p:bldP spid="3" grpId="0" build="p"/>
+    </p:bldLst>
+  </p:timing>
 </p:sld>
 </file>
 
